--- a/documentation_figures/Field_boundary_delineation.pptx
+++ b/documentation_figures/Field_boundary_delineation.pptx
@@ -2057,110 +2057,6 @@
         </a:p>
       </dgm:t>
     </dgm:pt>
-    <dgm:pt modelId="{C46D27F7-436F-43F1-9553-5F236FCDF5FE}">
-      <dgm:prSet phldrT="[Text]" custT="1"/>
-      <dgm:spPr>
-        <a:noFill/>
-        <a:ln w="28575">
-          <a:solidFill>
-            <a:srgbClr val="276F8B"/>
-          </a:solidFill>
-        </a:ln>
-      </dgm:spPr>
-      <dgm:t>
-        <a:bodyPr lIns="108000" tIns="108000" rIns="108000" bIns="108000"/>
-        <a:lstStyle/>
-        <a:p>
-          <a:pPr>
-            <a:buFont typeface="+mj-lt"/>
-            <a:buAutoNum type="romanUcPeriod"/>
-          </a:pPr>
-          <a:r>
-            <a:rPr lang="en-GB" sz="1800" dirty="0">
-              <a:solidFill>
-                <a:schemeClr val="tx1"/>
-              </a:solidFill>
-            </a:rPr>
-            <a:t> Field delineation</a:t>
-          </a:r>
-          <a:endParaRPr lang="de-DE" sz="1800" dirty="0">
-            <a:solidFill>
-              <a:schemeClr val="tx1"/>
-            </a:solidFill>
-          </a:endParaRPr>
-        </a:p>
-      </dgm:t>
-    </dgm:pt>
-    <dgm:pt modelId="{CE3D205E-DEEA-4E00-9D03-281E8F22709A}" type="parTrans" cxnId="{9D1089F3-A901-414C-A84F-7F0528115863}">
-      <dgm:prSet/>
-      <dgm:spPr/>
-      <dgm:t>
-        <a:bodyPr/>
-        <a:lstStyle/>
-        <a:p>
-          <a:endParaRPr lang="de-DE"/>
-        </a:p>
-      </dgm:t>
-    </dgm:pt>
-    <dgm:pt modelId="{4C2E8A26-29C4-45A1-9A92-57397F40A194}" type="sibTrans" cxnId="{9D1089F3-A901-414C-A84F-7F0528115863}">
-      <dgm:prSet/>
-      <dgm:spPr/>
-      <dgm:t>
-        <a:bodyPr/>
-        <a:lstStyle/>
-        <a:p>
-          <a:endParaRPr lang="de-DE"/>
-        </a:p>
-      </dgm:t>
-    </dgm:pt>
-    <dgm:pt modelId="{4499DD76-8344-45DF-9ECE-0377D09B1941}">
-      <dgm:prSet phldrT="[Text]" custT="1"/>
-      <dgm:spPr>
-        <a:noFill/>
-        <a:ln w="28575">
-          <a:solidFill>
-            <a:srgbClr val="276F8B"/>
-          </a:solidFill>
-        </a:ln>
-      </dgm:spPr>
-      <dgm:t>
-        <a:bodyPr lIns="108000" tIns="108000" rIns="108000" bIns="108000"/>
-        <a:lstStyle/>
-        <a:p>
-          <a:pPr>
-            <a:buFont typeface="Arial" panose="020B0604020202020204" pitchFamily="34" charset="0"/>
-            <a:buChar char="•"/>
-          </a:pPr>
-          <a:endParaRPr lang="de-DE" sz="1400" dirty="0">
-            <a:solidFill>
-              <a:schemeClr val="tx1"/>
-            </a:solidFill>
-          </a:endParaRPr>
-        </a:p>
-      </dgm:t>
-    </dgm:pt>
-    <dgm:pt modelId="{23764FF1-5234-47EA-8B21-5DB980991C85}" type="parTrans" cxnId="{809DE9C7-50F5-4198-AB0F-89E71E04C650}">
-      <dgm:prSet/>
-      <dgm:spPr/>
-      <dgm:t>
-        <a:bodyPr/>
-        <a:lstStyle/>
-        <a:p>
-          <a:endParaRPr lang="de-DE"/>
-        </a:p>
-      </dgm:t>
-    </dgm:pt>
-    <dgm:pt modelId="{06BDF709-0162-47EB-812B-4853CA1CDE79}" type="sibTrans" cxnId="{809DE9C7-50F5-4198-AB0F-89E71E04C650}">
-      <dgm:prSet/>
-      <dgm:spPr/>
-      <dgm:t>
-        <a:bodyPr/>
-        <a:lstStyle/>
-        <a:p>
-          <a:endParaRPr lang="de-DE"/>
-        </a:p>
-      </dgm:t>
-    </dgm:pt>
     <dgm:pt modelId="{D8231CEE-722E-478C-8632-43CBC0EBB01D}">
       <dgm:prSet phldrT="[Text]" custT="1"/>
       <dgm:spPr>
@@ -2311,7 +2207,7 @@
             <a:buChar char="•"/>
           </a:pPr>
           <a:r>
-            <a:rPr lang="en-GB" sz="1800">
+            <a:rPr lang="en-GB" sz="1800" dirty="0">
               <a:solidFill>
                 <a:schemeClr val="tx1"/>
               </a:solidFill>
@@ -2427,7 +2323,7 @@
             <a:buChar char="•"/>
           </a:pPr>
           <a:r>
-            <a:rPr lang="en-GB" sz="1800">
+            <a:rPr lang="en-GB" sz="1800" dirty="0">
               <a:solidFill>
                 <a:schemeClr val="tx1"/>
               </a:solidFill>
@@ -2435,12 +2331,28 @@
             <a:t>high degree of transferability - </a:t>
           </a:r>
           <a:r>
-            <a:rPr lang="en-GB">
+            <a:rPr lang="en-GB" dirty="0">
               <a:solidFill>
                 <a:schemeClr val="tx1"/>
               </a:solidFill>
             </a:rPr>
-            <a:t>independent of AoI &amp; structure of fields</a:t>
+            <a:t>independent of </a:t>
+          </a:r>
+          <a:r>
+            <a:rPr lang="en-GB" dirty="0" err="1">
+              <a:solidFill>
+                <a:schemeClr val="tx1"/>
+              </a:solidFill>
+            </a:rPr>
+            <a:t>AoI</a:t>
+          </a:r>
+          <a:r>
+            <a:rPr lang="en-GB" dirty="0">
+              <a:solidFill>
+                <a:schemeClr val="tx1"/>
+              </a:solidFill>
+            </a:rPr>
+            <a:t> &amp; structure of fields</a:t>
           </a:r>
           <a:endParaRPr lang="de-DE" sz="1800" dirty="0">
             <a:solidFill>
@@ -2610,7 +2522,7 @@
                 <a:schemeClr val="tx1"/>
               </a:solidFill>
             </a:rPr>
-            <a:t> Developer &amp; Architect</a:t>
+            <a:t> solution for field delineation</a:t>
           </a:r>
           <a:endParaRPr lang="de-DE" sz="1800" b="0" dirty="0">
             <a:solidFill>
@@ -2632,65 +2544,6 @@
       </dgm:t>
     </dgm:pt>
     <dgm:pt modelId="{A68FD1E5-35CD-48F1-9A9A-13E6474135A3}" type="sibTrans" cxnId="{ECF5E785-8CE9-4CB1-A85E-66250D374B0B}">
-      <dgm:prSet/>
-      <dgm:spPr/>
-      <dgm:t>
-        <a:bodyPr/>
-        <a:lstStyle/>
-        <a:p>
-          <a:endParaRPr lang="de-DE"/>
-        </a:p>
-      </dgm:t>
-    </dgm:pt>
-    <dgm:pt modelId="{1BF965AF-3558-4DDC-9852-67A47EB6F71B}">
-      <dgm:prSet phldrT="[Text]" custT="1"/>
-      <dgm:spPr>
-        <a:noFill/>
-        <a:ln w="28575">
-          <a:solidFill>
-            <a:srgbClr val="276F8B"/>
-          </a:solidFill>
-        </a:ln>
-      </dgm:spPr>
-      <dgm:t>
-        <a:bodyPr lIns="108000" tIns="108000" rIns="108000" bIns="108000"/>
-        <a:lstStyle/>
-        <a:p>
-          <a:pPr>
-            <a:buFont typeface="+mj-lt"/>
-            <a:buNone/>
-            <a:tabLst>
-              <a:tab pos="177800" algn="l"/>
-            </a:tabLst>
-          </a:pPr>
-          <a:r>
-            <a:rPr lang="en-GB" sz="1800" dirty="0">
-              <a:solidFill>
-                <a:schemeClr val="tx1"/>
-              </a:solidFill>
-            </a:rPr>
-            <a:t>II. Field extraction &amp; masking of non-agricultural land</a:t>
-          </a:r>
-          <a:endParaRPr lang="de-DE" sz="1800" dirty="0">
-            <a:solidFill>
-              <a:schemeClr val="tx1"/>
-            </a:solidFill>
-          </a:endParaRPr>
-        </a:p>
-      </dgm:t>
-    </dgm:pt>
-    <dgm:pt modelId="{29080692-D71D-457F-8D56-B93EEA6DA137}" type="parTrans" cxnId="{00BC17F4-8EAE-4580-A07A-616915D679E2}">
-      <dgm:prSet/>
-      <dgm:spPr/>
-      <dgm:t>
-        <a:bodyPr/>
-        <a:lstStyle/>
-        <a:p>
-          <a:endParaRPr lang="de-DE"/>
-        </a:p>
-      </dgm:t>
-    </dgm:pt>
-    <dgm:pt modelId="{0F6114AD-872E-4200-A3A1-05AA12626626}" type="sibTrans" cxnId="{00BC17F4-8EAE-4580-A07A-616915D679E2}">
       <dgm:prSet/>
       <dgm:spPr/>
       <dgm:t>
@@ -2787,7 +2640,7 @@
                 <a:schemeClr val="tx1"/>
               </a:solidFill>
             </a:rPr>
-            <a:t>watershed segmentation with optimal parametrisation based on user selected samples</a:t>
+            <a:t>watershed segmentation with optimal parametrisation based on training samples provided by the user</a:t>
           </a:r>
           <a:endParaRPr lang="de-DE" sz="1800" dirty="0">
             <a:solidFill>
@@ -2809,172 +2662,6 @@
       </dgm:t>
     </dgm:pt>
     <dgm:pt modelId="{3602F805-8E7F-4051-9B29-9E41112EF939}" type="sibTrans" cxnId="{38F92304-5F6D-42E3-8E22-D90AF1C66A6D}">
-      <dgm:prSet/>
-      <dgm:spPr/>
-      <dgm:t>
-        <a:bodyPr/>
-        <a:lstStyle/>
-        <a:p>
-          <a:endParaRPr lang="de-DE"/>
-        </a:p>
-      </dgm:t>
-    </dgm:pt>
-    <dgm:pt modelId="{3962A5C3-D650-43B7-B11D-A510ED5DDE16}">
-      <dgm:prSet phldrT="[Text]" custT="1"/>
-      <dgm:spPr>
-        <a:noFill/>
-        <a:ln w="28575">
-          <a:solidFill>
-            <a:srgbClr val="276F8B"/>
-          </a:solidFill>
-        </a:ln>
-      </dgm:spPr>
-      <dgm:t>
-        <a:bodyPr lIns="108000" tIns="108000" rIns="108000" bIns="108000"/>
-        <a:lstStyle/>
-        <a:p>
-          <a:pPr>
-            <a:buFont typeface="+mj-lt"/>
-            <a:buNone/>
-          </a:pPr>
-          <a:endParaRPr lang="de-DE" sz="1800" dirty="0">
-            <a:solidFill>
-              <a:schemeClr val="tx1"/>
-            </a:solidFill>
-          </a:endParaRPr>
-        </a:p>
-      </dgm:t>
-    </dgm:pt>
-    <dgm:pt modelId="{43695A20-DF45-4D2B-854B-7F8F442924A5}" type="sibTrans" cxnId="{74C8B86C-AC45-4984-9F95-DFF6335B6E17}">
-      <dgm:prSet/>
-      <dgm:spPr/>
-      <dgm:t>
-        <a:bodyPr/>
-        <a:lstStyle/>
-        <a:p>
-          <a:endParaRPr lang="de-DE"/>
-        </a:p>
-      </dgm:t>
-    </dgm:pt>
-    <dgm:pt modelId="{C4E77F26-067A-4189-B134-10AF257DA9C0}" type="parTrans" cxnId="{74C8B86C-AC45-4984-9F95-DFF6335B6E17}">
-      <dgm:prSet/>
-      <dgm:spPr/>
-      <dgm:t>
-        <a:bodyPr/>
-        <a:lstStyle/>
-        <a:p>
-          <a:endParaRPr lang="de-DE"/>
-        </a:p>
-      </dgm:t>
-    </dgm:pt>
-    <dgm:pt modelId="{EE05F844-98FD-4325-91FF-F7084B0FDD6D}">
-      <dgm:prSet phldrT="[Text]" custT="1"/>
-      <dgm:spPr>
-        <a:noFill/>
-        <a:ln w="28575">
-          <a:solidFill>
-            <a:srgbClr val="276F8B"/>
-          </a:solidFill>
-        </a:ln>
-      </dgm:spPr>
-      <dgm:t>
-        <a:bodyPr lIns="108000" tIns="108000" rIns="108000" bIns="108000"/>
-        <a:lstStyle/>
-        <a:p>
-          <a:pPr>
-            <a:buFont typeface="Arial" panose="020B0604020202020204" pitchFamily="34" charset="0"/>
-            <a:buChar char="•"/>
-            <a:tabLst>
-              <a:tab pos="177800" algn="l"/>
-            </a:tabLst>
-          </a:pPr>
-          <a:r>
-            <a:rPr lang="en-GB" sz="1800" dirty="0">
-              <a:solidFill>
-                <a:schemeClr val="tx1"/>
-              </a:solidFill>
-            </a:rPr>
-            <a:t>knowledge-based temporal NDVI thresholding</a:t>
-          </a:r>
-          <a:endParaRPr lang="de-DE" sz="1800" dirty="0">
-            <a:solidFill>
-              <a:schemeClr val="tx1"/>
-            </a:solidFill>
-          </a:endParaRPr>
-        </a:p>
-      </dgm:t>
-    </dgm:pt>
-    <dgm:pt modelId="{C4ACE84F-2194-4F7C-B115-DF70F90C933A}" type="parTrans" cxnId="{D73667F6-786D-4782-96C2-508905B87B24}">
-      <dgm:prSet/>
-      <dgm:spPr/>
-      <dgm:t>
-        <a:bodyPr/>
-        <a:lstStyle/>
-        <a:p>
-          <a:endParaRPr lang="de-DE"/>
-        </a:p>
-      </dgm:t>
-    </dgm:pt>
-    <dgm:pt modelId="{AE398BD7-B561-49AA-874E-B82D285B72F1}" type="sibTrans" cxnId="{D73667F6-786D-4782-96C2-508905B87B24}">
-      <dgm:prSet/>
-      <dgm:spPr/>
-      <dgm:t>
-        <a:bodyPr/>
-        <a:lstStyle/>
-        <a:p>
-          <a:endParaRPr lang="de-DE"/>
-        </a:p>
-      </dgm:t>
-    </dgm:pt>
-    <dgm:pt modelId="{DECE5230-5C08-4630-8BAF-63F8156A6BF3}">
-      <dgm:prSet phldrT="[Text]" custT="1"/>
-      <dgm:spPr>
-        <a:noFill/>
-        <a:ln w="28575">
-          <a:solidFill>
-            <a:srgbClr val="276F8B"/>
-          </a:solidFill>
-        </a:ln>
-      </dgm:spPr>
-      <dgm:t>
-        <a:bodyPr lIns="108000" tIns="108000" rIns="108000" bIns="108000"/>
-        <a:lstStyle/>
-        <a:p>
-          <a:pPr>
-            <a:buFont typeface="Arial" panose="020B0604020202020204" pitchFamily="34" charset="0"/>
-            <a:buChar char="•"/>
-            <a:tabLst>
-              <a:tab pos="177800" algn="l"/>
-            </a:tabLst>
-          </a:pPr>
-          <a:r>
-            <a:rPr lang="en-GB" sz="1800" dirty="0">
-              <a:solidFill>
-                <a:schemeClr val="tx1"/>
-              </a:solidFill>
-            </a:rPr>
-            <a:t>sample-based classification approach</a:t>
-          </a:r>
-          <a:endParaRPr lang="de-DE" sz="1800" dirty="0">
-            <a:solidFill>
-              <a:schemeClr val="tx1"/>
-            </a:solidFill>
-          </a:endParaRPr>
-        </a:p>
-      </dgm:t>
-    </dgm:pt>
-    <dgm:pt modelId="{6F13EA3D-DC19-4306-A6B2-60BB3EC66AD3}" type="parTrans" cxnId="{64ABEFED-6E31-4730-BA99-7BCEC61273CC}">
-      <dgm:prSet/>
-      <dgm:spPr/>
-      <dgm:t>
-        <a:bodyPr/>
-        <a:lstStyle/>
-        <a:p>
-          <a:endParaRPr lang="de-DE"/>
-        </a:p>
-      </dgm:t>
-    </dgm:pt>
-    <dgm:pt modelId="{6024D773-5731-444E-8750-004AB89647C7}" type="sibTrans" cxnId="{64ABEFED-6E31-4730-BA99-7BCEC61273CC}">
       <dgm:prSet/>
       <dgm:spPr/>
       <dgm:t>
@@ -3009,7 +2696,7 @@
                 <a:schemeClr val="tx1"/>
               </a:solidFill>
             </a:rPr>
-            <a:t>python script for retrieving S2 L3 sample data for Germany</a:t>
+            <a:t>python script for retrieving S2 L3 data for Germany</a:t>
           </a:r>
           <a:endParaRPr lang="de-DE" sz="1800" b="0" dirty="0">
             <a:solidFill>
@@ -3065,7 +2752,7 @@
                 <a:schemeClr val="tx1"/>
               </a:solidFill>
             </a:rPr>
-            <a:t>noise removal &amp; merging/resizing of smaller objects</a:t>
+            <a:t>noise removal, i.e. merging/resizing of smaller objects</a:t>
           </a:r>
           <a:endParaRPr lang="de-DE" sz="1800" dirty="0">
             <a:solidFill>
@@ -3087,6 +2774,284 @@
       </dgm:t>
     </dgm:pt>
     <dgm:pt modelId="{A4DA2F2C-8B70-4776-A02C-5973FA4E374B}" type="sibTrans" cxnId="{E3819F3D-2E3D-4AD2-85DE-2B2A531AC5CF}">
+      <dgm:prSet/>
+      <dgm:spPr/>
+      <dgm:t>
+        <a:bodyPr/>
+        <a:lstStyle/>
+        <a:p>
+          <a:endParaRPr lang="de-DE"/>
+        </a:p>
+      </dgm:t>
+    </dgm:pt>
+    <dgm:pt modelId="{20E2BF8B-B84E-4A3C-A792-116F7E2DFF11}">
+      <dgm:prSet custT="1"/>
+      <dgm:spPr>
+        <a:noFill/>
+        <a:ln w="28575">
+          <a:solidFill>
+            <a:srgbClr val="00B0F0"/>
+          </a:solidFill>
+        </a:ln>
+      </dgm:spPr>
+      <dgm:t>
+        <a:bodyPr lIns="108000" tIns="108000" rIns="108000" bIns="108000"/>
+        <a:lstStyle/>
+        <a:p>
+          <a:pPr>
+            <a:buFont typeface="Arial" panose="020B0604020202020204" pitchFamily="34" charset="0"/>
+            <a:buChar char="•"/>
+          </a:pPr>
+          <a:r>
+            <a:rPr lang="en-GB" sz="1800" b="0" dirty="0">
+              <a:solidFill>
+                <a:schemeClr val="tx1"/>
+              </a:solidFill>
+            </a:rPr>
+            <a:t>python script for object-based acc. assessment</a:t>
+          </a:r>
+          <a:endParaRPr lang="de-DE" sz="1800" b="0" dirty="0">
+            <a:solidFill>
+              <a:schemeClr val="tx1"/>
+            </a:solidFill>
+          </a:endParaRPr>
+        </a:p>
+      </dgm:t>
+    </dgm:pt>
+    <dgm:pt modelId="{D8E58AE4-27C2-454C-B3EA-97C31F2972F5}" type="parTrans" cxnId="{C2ACFCA0-9D85-40D1-9E38-155F7DAB8D5B}">
+      <dgm:prSet/>
+      <dgm:spPr/>
+      <dgm:t>
+        <a:bodyPr/>
+        <a:lstStyle/>
+        <a:p>
+          <a:endParaRPr lang="de-DE"/>
+        </a:p>
+      </dgm:t>
+    </dgm:pt>
+    <dgm:pt modelId="{E682ABE9-F1E3-497E-83D5-88E311ECFA0E}" type="sibTrans" cxnId="{C2ACFCA0-9D85-40D1-9E38-155F7DAB8D5B}">
+      <dgm:prSet/>
+      <dgm:spPr/>
+      <dgm:t>
+        <a:bodyPr/>
+        <a:lstStyle/>
+        <a:p>
+          <a:endParaRPr lang="de-DE"/>
+        </a:p>
+      </dgm:t>
+    </dgm:pt>
+    <dgm:pt modelId="{4499DD76-8344-45DF-9ECE-0377D09B1941}">
+      <dgm:prSet phldrT="[Text]" custT="1"/>
+      <dgm:spPr>
+        <a:noFill/>
+        <a:ln w="28575">
+          <a:solidFill>
+            <a:srgbClr val="276F8B"/>
+          </a:solidFill>
+        </a:ln>
+      </dgm:spPr>
+      <dgm:t>
+        <a:bodyPr lIns="108000" tIns="108000" rIns="108000" bIns="108000"/>
+        <a:lstStyle/>
+        <a:p>
+          <a:pPr>
+            <a:buFont typeface="Arial" panose="020B0604020202020204" pitchFamily="34" charset="0"/>
+            <a:buChar char="•"/>
+          </a:pPr>
+          <a:endParaRPr lang="de-DE" sz="1400" dirty="0">
+            <a:solidFill>
+              <a:schemeClr val="tx1"/>
+            </a:solidFill>
+          </a:endParaRPr>
+        </a:p>
+      </dgm:t>
+    </dgm:pt>
+    <dgm:pt modelId="{06BDF709-0162-47EB-812B-4853CA1CDE79}" type="sibTrans" cxnId="{809DE9C7-50F5-4198-AB0F-89E71E04C650}">
+      <dgm:prSet/>
+      <dgm:spPr/>
+      <dgm:t>
+        <a:bodyPr/>
+        <a:lstStyle/>
+        <a:p>
+          <a:endParaRPr lang="de-DE"/>
+        </a:p>
+      </dgm:t>
+    </dgm:pt>
+    <dgm:pt modelId="{23764FF1-5234-47EA-8B21-5DB980991C85}" type="parTrans" cxnId="{809DE9C7-50F5-4198-AB0F-89E71E04C650}">
+      <dgm:prSet/>
+      <dgm:spPr/>
+      <dgm:t>
+        <a:bodyPr/>
+        <a:lstStyle/>
+        <a:p>
+          <a:endParaRPr lang="de-DE"/>
+        </a:p>
+      </dgm:t>
+    </dgm:pt>
+    <dgm:pt modelId="{EE05F844-98FD-4325-91FF-F7084B0FDD6D}">
+      <dgm:prSet phldrT="[Text]" custT="1"/>
+      <dgm:spPr>
+        <a:noFill/>
+        <a:ln w="28575">
+          <a:solidFill>
+            <a:srgbClr val="276F8B"/>
+          </a:solidFill>
+        </a:ln>
+      </dgm:spPr>
+      <dgm:t>
+        <a:bodyPr lIns="108000" tIns="108000" rIns="108000" bIns="108000"/>
+        <a:lstStyle/>
+        <a:p>
+          <a:pPr>
+            <a:buFont typeface="Arial" panose="020B0604020202020204" pitchFamily="34" charset="0"/>
+            <a:buChar char="•"/>
+            <a:tabLst>
+              <a:tab pos="177800" algn="l"/>
+            </a:tabLst>
+          </a:pPr>
+          <a:r>
+            <a:rPr lang="en-US" sz="1800" dirty="0">
+              <a:solidFill>
+                <a:schemeClr val="tx1"/>
+              </a:solidFill>
+            </a:rPr>
+            <a:t>adjustment of the degree of over-segmentation</a:t>
+          </a:r>
+          <a:endParaRPr lang="de-DE" sz="1800" dirty="0">
+            <a:solidFill>
+              <a:schemeClr val="tx1"/>
+            </a:solidFill>
+          </a:endParaRPr>
+        </a:p>
+      </dgm:t>
+    </dgm:pt>
+    <dgm:pt modelId="{AE398BD7-B561-49AA-874E-B82D285B72F1}" type="sibTrans" cxnId="{D73667F6-786D-4782-96C2-508905B87B24}">
+      <dgm:prSet/>
+      <dgm:spPr/>
+      <dgm:t>
+        <a:bodyPr/>
+        <a:lstStyle/>
+        <a:p>
+          <a:endParaRPr lang="de-DE"/>
+        </a:p>
+      </dgm:t>
+    </dgm:pt>
+    <dgm:pt modelId="{C4ACE84F-2194-4F7C-B115-DF70F90C933A}" type="parTrans" cxnId="{D73667F6-786D-4782-96C2-508905B87B24}">
+      <dgm:prSet/>
+      <dgm:spPr/>
+      <dgm:t>
+        <a:bodyPr/>
+        <a:lstStyle/>
+        <a:p>
+          <a:endParaRPr lang="de-DE"/>
+        </a:p>
+      </dgm:t>
+    </dgm:pt>
+    <dgm:pt modelId="{3C8AC76D-AC33-4068-9261-DBF32E70A0E7}">
+      <dgm:prSet phldrT="[Text]" custT="1"/>
+      <dgm:spPr>
+        <a:noFill/>
+        <a:ln w="28575">
+          <a:solidFill>
+            <a:srgbClr val="276F8B"/>
+          </a:solidFill>
+        </a:ln>
+      </dgm:spPr>
+      <dgm:t>
+        <a:bodyPr/>
+        <a:lstStyle/>
+        <a:p>
+          <a:pPr>
+            <a:buFont typeface="Arial" panose="020B0604020202020204" pitchFamily="34" charset="0"/>
+            <a:buChar char="•"/>
+          </a:pPr>
+          <a:r>
+            <a:rPr lang="en-GB" sz="1800" dirty="0">
+              <a:solidFill>
+                <a:schemeClr val="tx1"/>
+              </a:solidFill>
+            </a:rPr>
+            <a:t>sample-based field extraction &amp; masking of non-agricultural land using temporal NDVI curves and geometrical/topological object features</a:t>
+          </a:r>
+          <a:endParaRPr lang="de-DE" sz="1800" dirty="0">
+            <a:solidFill>
+              <a:schemeClr val="tx1"/>
+            </a:solidFill>
+          </a:endParaRPr>
+        </a:p>
+      </dgm:t>
+    </dgm:pt>
+    <dgm:pt modelId="{EA6D223D-4B5C-424A-9DD6-C0235D2BF8BA}" type="parTrans" cxnId="{84E51302-4E1B-422B-89EE-54747B05AB6C}">
+      <dgm:prSet/>
+      <dgm:spPr/>
+      <dgm:t>
+        <a:bodyPr/>
+        <a:lstStyle/>
+        <a:p>
+          <a:endParaRPr lang="de-DE"/>
+        </a:p>
+      </dgm:t>
+    </dgm:pt>
+    <dgm:pt modelId="{C5223CDF-5BAA-4E3F-8ABA-B003E0A35A34}" type="sibTrans" cxnId="{84E51302-4E1B-422B-89EE-54747B05AB6C}">
+      <dgm:prSet/>
+      <dgm:spPr/>
+      <dgm:t>
+        <a:bodyPr/>
+        <a:lstStyle/>
+        <a:p>
+          <a:endParaRPr lang="de-DE"/>
+        </a:p>
+      </dgm:t>
+    </dgm:pt>
+    <dgm:pt modelId="{112BE743-88AA-46B2-BA11-1DB6411FE521}">
+      <dgm:prSet phldrT="[Text]" custT="1"/>
+      <dgm:spPr>
+        <a:noFill/>
+        <a:ln w="28575">
+          <a:solidFill>
+            <a:srgbClr val="276F8B"/>
+          </a:solidFill>
+        </a:ln>
+      </dgm:spPr>
+      <dgm:t>
+        <a:bodyPr lIns="108000" tIns="108000" rIns="108000" bIns="108000"/>
+        <a:lstStyle/>
+        <a:p>
+          <a:pPr>
+            <a:buFont typeface="Arial" panose="020B0604020202020204" pitchFamily="34" charset="0"/>
+            <a:buChar char="•"/>
+            <a:tabLst>
+              <a:tab pos="177800" algn="l"/>
+            </a:tabLst>
+          </a:pPr>
+          <a:r>
+            <a:rPr lang="en-GB" sz="1800" dirty="0">
+              <a:solidFill>
+                <a:schemeClr val="tx1"/>
+              </a:solidFill>
+            </a:rPr>
+            <a:t>export of results &amp; accuracy assessment via area- and edge-based metrics</a:t>
+          </a:r>
+          <a:endParaRPr lang="de-DE" sz="1800" dirty="0">
+            <a:solidFill>
+              <a:schemeClr val="tx1"/>
+            </a:solidFill>
+          </a:endParaRPr>
+        </a:p>
+      </dgm:t>
+    </dgm:pt>
+    <dgm:pt modelId="{DE9948A5-02CA-455C-992D-3C830A234251}" type="parTrans" cxnId="{FE1CF2C9-7E81-4C67-BC3A-231F854E7F03}">
+      <dgm:prSet/>
+      <dgm:spPr/>
+      <dgm:t>
+        <a:bodyPr/>
+        <a:lstStyle/>
+        <a:p>
+          <a:endParaRPr lang="de-DE"/>
+        </a:p>
+      </dgm:t>
+    </dgm:pt>
+    <dgm:pt modelId="{24736694-B1C3-44B1-BCB3-23A928030B05}" type="sibTrans" cxnId="{FE1CF2C9-7E81-4C67-BC3A-231F854E7F03}">
       <dgm:prSet/>
       <dgm:spPr/>
       <dgm:t>
@@ -3277,58 +3242,56 @@
   </dgm:ptLst>
   <dgm:cxnLst>
     <dgm:cxn modelId="{A39F2001-9D61-44F2-AC5A-2FB56801DB2C}" type="presOf" srcId="{64F09BC0-4D06-456E-BC9E-B205BD7F9873}" destId="{64212DE4-9BDB-4474-9F1F-D92DE5AFC17D}" srcOrd="0" destOrd="5" presId="urn:microsoft.com/office/officeart/2005/8/layout/hList2"/>
+    <dgm:cxn modelId="{84E51302-4E1B-422B-89EE-54747B05AB6C}" srcId="{55C8397B-D8D1-4C92-BAD9-A2156388C123}" destId="{3C8AC76D-AC33-4068-9261-DBF32E70A0E7}" srcOrd="4" destOrd="0" parTransId="{EA6D223D-4B5C-424A-9DD6-C0235D2BF8BA}" sibTransId="{C5223CDF-5BAA-4E3F-8ABA-B003E0A35A34}"/>
     <dgm:cxn modelId="{92878903-2EAB-4F42-879F-B01F84C2F29B}" type="presOf" srcId="{3A8441C4-6CD7-4536-8B0A-FFD09B15105A}" destId="{3D12B40A-F119-4088-902B-15A1EB702382}" srcOrd="0" destOrd="0" presId="urn:microsoft.com/office/officeart/2005/8/layout/hList2"/>
     <dgm:cxn modelId="{CC33CA03-7155-490C-A669-8CB1F1E67F6E}" type="presOf" srcId="{4DB6928C-7BAC-4882-AAF1-493A66155C5C}" destId="{64212DE4-9BDB-4474-9F1F-D92DE5AFC17D}" srcOrd="0" destOrd="6" presId="urn:microsoft.com/office/officeart/2005/8/layout/hList2"/>
-    <dgm:cxn modelId="{38F92304-5F6D-42E3-8E22-D90AF1C66A6D}" srcId="{55C8397B-D8D1-4C92-BAD9-A2156388C123}" destId="{6B3B8D40-6457-47EF-A961-A4DFFF6DC37B}" srcOrd="3" destOrd="0" parTransId="{6A4DD4CE-2CFC-4F17-B5BB-7BC814DC9915}" sibTransId="{3602F805-8E7F-4051-9B29-9E41112EF939}"/>
+    <dgm:cxn modelId="{38F92304-5F6D-42E3-8E22-D90AF1C66A6D}" srcId="{55C8397B-D8D1-4C92-BAD9-A2156388C123}" destId="{6B3B8D40-6457-47EF-A961-A4DFFF6DC37B}" srcOrd="2" destOrd="0" parTransId="{6A4DD4CE-2CFC-4F17-B5BB-7BC814DC9915}" sibTransId="{3602F805-8E7F-4051-9B29-9E41112EF939}"/>
     <dgm:cxn modelId="{C048E206-8422-4604-8764-50BD5F9509EB}" type="presOf" srcId="{E17E814F-8947-4316-B485-4FC6AE90ACBD}" destId="{9EFE389D-5BB9-41B7-A656-CC2EB0B15073}" srcOrd="0" destOrd="2" presId="urn:microsoft.com/office/officeart/2005/8/layout/hList2"/>
     <dgm:cxn modelId="{F812B60B-2E76-498B-9ACE-20DE7C322035}" srcId="{F5D6B512-5B7A-4FCA-B048-8E29CE92DFEE}" destId="{74612E0E-6D3D-4FE3-91CB-8AA15570B131}" srcOrd="1" destOrd="0" parTransId="{082397FA-3076-4532-AB91-6001C87F0619}" sibTransId="{BED1D8BD-B41D-4930-B4D1-130EEAC1DD7F}"/>
     <dgm:cxn modelId="{87CBA40C-6BAB-4637-A927-14DF6F4FE311}" srcId="{2BE6250A-522C-4270-A358-B5DC38BB4211}" destId="{9CC9A465-ADB6-49E2-93F7-64B3EDD6CF86}" srcOrd="2" destOrd="0" parTransId="{3DE78693-86FD-4A08-B817-C770C778BCBC}" sibTransId="{C90CCC5D-6396-4984-9D0C-11A42755C7C1}"/>
     <dgm:cxn modelId="{FE401917-0F4C-40AB-8B20-F9DEE70582A3}" type="presOf" srcId="{74612E0E-6D3D-4FE3-91CB-8AA15570B131}" destId="{9EFE389D-5BB9-41B7-A656-CC2EB0B15073}" srcOrd="0" destOrd="1" presId="urn:microsoft.com/office/officeart/2005/8/layout/hList2"/>
     <dgm:cxn modelId="{80CDC01D-D1D9-41BC-ABAD-677DF291DB56}" srcId="{2BE6250A-522C-4270-A358-B5DC38BB4211}" destId="{64F09BC0-4D06-456E-BC9E-B205BD7F9873}" srcOrd="5" destOrd="0" parTransId="{E8C6932C-D171-42EE-B244-9B1812E07008}" sibTransId="{BB70936D-374E-4EEF-B96F-5E0E3E8E8EC7}"/>
-    <dgm:cxn modelId="{52516B2A-90B4-4F4A-8D15-ACBDEFF7454B}" type="presOf" srcId="{D8231CEE-722E-478C-8632-43CBC0EBB01D}" destId="{735E592F-DFE3-4B0F-8AF0-9CDFA0645923}" srcOrd="0" destOrd="10" presId="urn:microsoft.com/office/officeart/2005/8/layout/hList2"/>
-    <dgm:cxn modelId="{4FC8842A-BCBF-4743-A27E-A9425D85A063}" type="presOf" srcId="{A5FBDAC6-E599-4987-A296-159A655986B0}" destId="{735E592F-DFE3-4B0F-8AF0-9CDFA0645923}" srcOrd="0" destOrd="11" presId="urn:microsoft.com/office/officeart/2005/8/layout/hList2"/>
+    <dgm:cxn modelId="{52516B2A-90B4-4F4A-8D15-ACBDEFF7454B}" type="presOf" srcId="{D8231CEE-722E-478C-8632-43CBC0EBB01D}" destId="{735E592F-DFE3-4B0F-8AF0-9CDFA0645923}" srcOrd="0" destOrd="8" presId="urn:microsoft.com/office/officeart/2005/8/layout/hList2"/>
+    <dgm:cxn modelId="{4FC8842A-BCBF-4743-A27E-A9425D85A063}" type="presOf" srcId="{A5FBDAC6-E599-4987-A296-159A655986B0}" destId="{735E592F-DFE3-4B0F-8AF0-9CDFA0645923}" srcOrd="0" destOrd="9" presId="urn:microsoft.com/office/officeart/2005/8/layout/hList2"/>
     <dgm:cxn modelId="{D6F73F31-A856-4B4E-A9D1-54B90D586B5C}" type="presOf" srcId="{FAA500B0-E686-4CFE-9A99-3CF26DDE9BAF}" destId="{64212DE4-9BDB-4474-9F1F-D92DE5AFC17D}" srcOrd="0" destOrd="3" presId="urn:microsoft.com/office/officeart/2005/8/layout/hList2"/>
-    <dgm:cxn modelId="{62896737-F0F3-4BCB-A11B-6CD0C2A0A69E}" type="presOf" srcId="{5521D363-8F08-4F0E-9855-6940F1244D80}" destId="{735E592F-DFE3-4B0F-8AF0-9CDFA0645923}" srcOrd="0" destOrd="4" presId="urn:microsoft.com/office/officeart/2005/8/layout/hList2"/>
+    <dgm:cxn modelId="{62896737-F0F3-4BCB-A11B-6CD0C2A0A69E}" type="presOf" srcId="{5521D363-8F08-4F0E-9855-6940F1244D80}" destId="{735E592F-DFE3-4B0F-8AF0-9CDFA0645923}" srcOrd="0" destOrd="3" presId="urn:microsoft.com/office/officeart/2005/8/layout/hList2"/>
     <dgm:cxn modelId="{02636A39-2BC8-42B8-98B3-EACC09EA2C4D}" srcId="{2BE6250A-522C-4270-A358-B5DC38BB4211}" destId="{4DB6928C-7BAC-4882-AAF1-493A66155C5C}" srcOrd="6" destOrd="0" parTransId="{2FBD2D47-2393-4550-96D8-BEFDE93DFAA3}" sibTransId="{A560A204-3F3B-4F70-B5EF-0FC2176B24FF}"/>
     <dgm:cxn modelId="{4E4BEC3C-C368-4DDE-8B10-50BF08516DB2}" srcId="{3A8441C4-6CD7-4536-8B0A-FFD09B15105A}" destId="{2BE6250A-522C-4270-A358-B5DC38BB4211}" srcOrd="0" destOrd="0" parTransId="{6650C100-9D4B-4D36-B219-BDCF17AFE2BB}" sibTransId="{A946E3D5-9980-40B7-9110-0F123B1098A3}"/>
-    <dgm:cxn modelId="{E3819F3D-2E3D-4AD2-85DE-2B2A531AC5CF}" srcId="{55C8397B-D8D1-4C92-BAD9-A2156388C123}" destId="{5521D363-8F08-4F0E-9855-6940F1244D80}" srcOrd="4" destOrd="0" parTransId="{2A54C55D-2D3E-420A-A3FB-685DCD0D0DA5}" sibTransId="{A4DA2F2C-8B70-4776-A02C-5973FA4E374B}"/>
+    <dgm:cxn modelId="{E3819F3D-2E3D-4AD2-85DE-2B2A531AC5CF}" srcId="{55C8397B-D8D1-4C92-BAD9-A2156388C123}" destId="{5521D363-8F08-4F0E-9855-6940F1244D80}" srcOrd="3" destOrd="0" parTransId="{2A54C55D-2D3E-420A-A3FB-685DCD0D0DA5}" sibTransId="{A4DA2F2C-8B70-4776-A02C-5973FA4E374B}"/>
     <dgm:cxn modelId="{AA43313E-DF29-44DB-97AF-02BC77306A26}" type="presOf" srcId="{2BE6250A-522C-4270-A358-B5DC38BB4211}" destId="{B2B117D3-24F0-4F62-A7D2-CC062CD7C67A}" srcOrd="0" destOrd="0" presId="urn:microsoft.com/office/officeart/2005/8/layout/hList2"/>
     <dgm:cxn modelId="{E252ED5B-621E-47B7-BF30-F6D20E9FEC07}" srcId="{55C8397B-D8D1-4C92-BAD9-A2156388C123}" destId="{1FD324E0-3A44-4A2C-BFD7-44002F3C9E58}" srcOrd="0" destOrd="0" parTransId="{A5EEB2D1-BAF7-4A8F-A465-8902E23568FF}" sibTransId="{88488E99-D995-480E-AA47-D007FA7C3C8E}"/>
-    <dgm:cxn modelId="{ADBEFF5B-CC64-48B3-82E3-7DBB3BC2FA8E}" type="presOf" srcId="{C46D27F7-436F-43F1-9553-5F236FCDF5FE}" destId="{735E592F-DFE3-4B0F-8AF0-9CDFA0645923}" srcOrd="0" destOrd="1" presId="urn:microsoft.com/office/officeart/2005/8/layout/hList2"/>
-    <dgm:cxn modelId="{74C8B86C-AC45-4984-9F95-DFF6335B6E17}" srcId="{55C8397B-D8D1-4C92-BAD9-A2156388C123}" destId="{3962A5C3-D650-43B7-B11D-A510ED5DDE16}" srcOrd="5" destOrd="0" parTransId="{C4E77F26-067A-4189-B134-10AF257DA9C0}" sibTransId="{43695A20-DF45-4D2B-854B-7F8F442924A5}"/>
+    <dgm:cxn modelId="{40EAC966-6A2D-4E94-AB2A-7C3DE3901447}" type="presOf" srcId="{20E2BF8B-B84E-4A3C-A792-116F7E2DFF11}" destId="{9EFE389D-5BB9-41B7-A656-CC2EB0B15073}" srcOrd="0" destOrd="4" presId="urn:microsoft.com/office/officeart/2005/8/layout/hList2"/>
+    <dgm:cxn modelId="{1011594C-6F57-4BB9-A906-2B0513EEF480}" type="presOf" srcId="{112BE743-88AA-46B2-BA11-1DB6411FE521}" destId="{735E592F-DFE3-4B0F-8AF0-9CDFA0645923}" srcOrd="0" destOrd="6" presId="urn:microsoft.com/office/officeart/2005/8/layout/hList2"/>
+    <dgm:cxn modelId="{19F1B74C-5DE1-40F8-95A8-00B5FF0AB346}" type="presOf" srcId="{3C8AC76D-AC33-4068-9261-DBF32E70A0E7}" destId="{735E592F-DFE3-4B0F-8AF0-9CDFA0645923}" srcOrd="0" destOrd="4" presId="urn:microsoft.com/office/officeart/2005/8/layout/hList2"/>
     <dgm:cxn modelId="{8BCEAB4D-908B-4AAC-8DB6-2664D9293B8A}" type="presOf" srcId="{9CC9A465-ADB6-49E2-93F7-64B3EDD6CF86}" destId="{64212DE4-9BDB-4474-9F1F-D92DE5AFC17D}" srcOrd="0" destOrd="2" presId="urn:microsoft.com/office/officeart/2005/8/layout/hList2"/>
     <dgm:cxn modelId="{6C5CD14D-1128-4EAF-8EF1-790DFA9B752B}" type="presOf" srcId="{55C8397B-D8D1-4C92-BAD9-A2156388C123}" destId="{FC8D1E06-3865-48E5-9665-4B07A8101AB3}" srcOrd="0" destOrd="0" presId="urn:microsoft.com/office/officeart/2005/8/layout/hList2"/>
-    <dgm:cxn modelId="{B1B14651-CF35-404A-A438-FBA8509D8C1A}" srcId="{55C8397B-D8D1-4C92-BAD9-A2156388C123}" destId="{9ED1D57F-62A1-4B24-A944-98F96055D8EE}" srcOrd="2" destOrd="0" parTransId="{6ED9944F-40D8-49AD-B9AD-9C7E8EA65241}" sibTransId="{E7519F34-8630-4B04-91C0-BA33F1D7199B}"/>
-    <dgm:cxn modelId="{ADD36671-28E2-4294-B562-493EE5AF6774}" type="presOf" srcId="{9ED1D57F-62A1-4B24-A944-98F96055D8EE}" destId="{735E592F-DFE3-4B0F-8AF0-9CDFA0645923}" srcOrd="0" destOrd="2" presId="urn:microsoft.com/office/officeart/2005/8/layout/hList2"/>
-    <dgm:cxn modelId="{48578D76-C4FC-4656-A19D-0DA738287441}" type="presOf" srcId="{EE05F844-98FD-4325-91FF-F7084B0FDD6D}" destId="{735E592F-DFE3-4B0F-8AF0-9CDFA0645923}" srcOrd="0" destOrd="7" presId="urn:microsoft.com/office/officeart/2005/8/layout/hList2"/>
+    <dgm:cxn modelId="{B1B14651-CF35-404A-A438-FBA8509D8C1A}" srcId="{55C8397B-D8D1-4C92-BAD9-A2156388C123}" destId="{9ED1D57F-62A1-4B24-A944-98F96055D8EE}" srcOrd="1" destOrd="0" parTransId="{6ED9944F-40D8-49AD-B9AD-9C7E8EA65241}" sibTransId="{E7519F34-8630-4B04-91C0-BA33F1D7199B}"/>
+    <dgm:cxn modelId="{ADD36671-28E2-4294-B562-493EE5AF6774}" type="presOf" srcId="{9ED1D57F-62A1-4B24-A944-98F96055D8EE}" destId="{735E592F-DFE3-4B0F-8AF0-9CDFA0645923}" srcOrd="0" destOrd="1" presId="urn:microsoft.com/office/officeart/2005/8/layout/hList2"/>
+    <dgm:cxn modelId="{48578D76-C4FC-4656-A19D-0DA738287441}" type="presOf" srcId="{EE05F844-98FD-4325-91FF-F7084B0FDD6D}" destId="{735E592F-DFE3-4B0F-8AF0-9CDFA0645923}" srcOrd="0" destOrd="5" presId="urn:microsoft.com/office/officeart/2005/8/layout/hList2"/>
     <dgm:cxn modelId="{73B8C056-0CE4-447A-BAFC-8324748005C1}" srcId="{3A8441C4-6CD7-4536-8B0A-FFD09B15105A}" destId="{F5D6B512-5B7A-4FCA-B048-8E29CE92DFEE}" srcOrd="1" destOrd="0" parTransId="{7A1573DB-74C3-4373-AD90-86F8D0C1B6EF}" sibTransId="{15C65EC3-E658-4FF6-B6AC-664124A0C30C}"/>
     <dgm:cxn modelId="{ECF5E785-8CE9-4CB1-A85E-66250D374B0B}" srcId="{F5D6B512-5B7A-4FCA-B048-8E29CE92DFEE}" destId="{E5B0AF67-0594-495B-8305-DA8C79F9BEBE}" srcOrd="3" destOrd="0" parTransId="{BBF8F957-F78E-4416-B184-CDAC2793DD61}" sibTransId="{A68FD1E5-35CD-48F1-9A9A-13E6474135A3}"/>
     <dgm:cxn modelId="{1E45ED8B-993D-4A91-B4D9-F6CD666ED5EB}" srcId="{2BE6250A-522C-4270-A358-B5DC38BB4211}" destId="{FAA500B0-E686-4CFE-9A99-3CF26DDE9BAF}" srcOrd="3" destOrd="0" parTransId="{59804635-1B00-4162-B37B-FF92A7FD5CCD}" sibTransId="{E4968F46-39FB-44DA-BA70-79EE0CF91711}"/>
-    <dgm:cxn modelId="{C9AC9C94-3D87-48EE-B6FE-911F508CF55B}" srcId="{55C8397B-D8D1-4C92-BAD9-A2156388C123}" destId="{D8231CEE-722E-478C-8632-43CBC0EBB01D}" srcOrd="10" destOrd="0" parTransId="{8199497E-4AD2-460D-851B-079AF7A87CEC}" sibTransId="{1ABDD3F4-4075-453B-9C1C-062B1EC4E895}"/>
+    <dgm:cxn modelId="{C9AC9C94-3D87-48EE-B6FE-911F508CF55B}" srcId="{55C8397B-D8D1-4C92-BAD9-A2156388C123}" destId="{D8231CEE-722E-478C-8632-43CBC0EBB01D}" srcOrd="8" destOrd="0" parTransId="{8199497E-4AD2-460D-851B-079AF7A87CEC}" sibTransId="{1ABDD3F4-4075-453B-9C1C-062B1EC4E895}"/>
     <dgm:cxn modelId="{FEA28D9C-B0A3-4DE0-BBDC-E0363A820D18}" type="presOf" srcId="{1FD324E0-3A44-4A2C-BFD7-44002F3C9E58}" destId="{735E592F-DFE3-4B0F-8AF0-9CDFA0645923}" srcOrd="0" destOrd="0" presId="urn:microsoft.com/office/officeart/2005/8/layout/hList2"/>
-    <dgm:cxn modelId="{123CAD9C-C1E1-4838-8B47-A927326D1E46}" type="presOf" srcId="{3962A5C3-D650-43B7-B11D-A510ED5DDE16}" destId="{735E592F-DFE3-4B0F-8AF0-9CDFA0645923}" srcOrd="0" destOrd="5" presId="urn:microsoft.com/office/officeart/2005/8/layout/hList2"/>
+    <dgm:cxn modelId="{C2ACFCA0-9D85-40D1-9E38-155F7DAB8D5B}" srcId="{F5D6B512-5B7A-4FCA-B048-8E29CE92DFEE}" destId="{20E2BF8B-B84E-4A3C-A792-116F7E2DFF11}" srcOrd="4" destOrd="0" parTransId="{D8E58AE4-27C2-454C-B3EA-97C31F2972F5}" sibTransId="{E682ABE9-F1E3-497E-83D5-88E311ECFA0E}"/>
     <dgm:cxn modelId="{10C827A2-41DE-4D7D-B73B-EBB986402498}" srcId="{F5D6B512-5B7A-4FCA-B048-8E29CE92DFEE}" destId="{E17E814F-8947-4316-B485-4FC6AE90ACBD}" srcOrd="2" destOrd="0" parTransId="{A6B7E713-F956-496D-B0CE-253884DAD27E}" sibTransId="{6DEECDEE-D2CD-4F5D-A975-4B0B895E34EE}"/>
     <dgm:cxn modelId="{127220A5-E6AA-4CC2-9132-E77EB7D75E7E}" type="presOf" srcId="{AEDA8D79-C458-4341-88D5-EFCCEB9BCB69}" destId="{64212DE4-9BDB-4474-9F1F-D92DE5AFC17D}" srcOrd="0" destOrd="4" presId="urn:microsoft.com/office/officeart/2005/8/layout/hList2"/>
     <dgm:cxn modelId="{47A955A6-D53E-4414-9BE6-4C61FF11F3D0}" type="presOf" srcId="{F9713DB8-28DF-4A97-984A-C2307371914C}" destId="{64212DE4-9BDB-4474-9F1F-D92DE5AFC17D}" srcOrd="0" destOrd="0" presId="urn:microsoft.com/office/officeart/2005/8/layout/hList2"/>
-    <dgm:cxn modelId="{BB371EB2-96BD-49DD-B86C-DA8F110673FC}" type="presOf" srcId="{4499DD76-8344-45DF-9ECE-0377D09B1941}" destId="{735E592F-DFE3-4B0F-8AF0-9CDFA0645923}" srcOrd="0" destOrd="9" presId="urn:microsoft.com/office/officeart/2005/8/layout/hList2"/>
+    <dgm:cxn modelId="{BB371EB2-96BD-49DD-B86C-DA8F110673FC}" type="presOf" srcId="{4499DD76-8344-45DF-9ECE-0377D09B1941}" destId="{735E592F-DFE3-4B0F-8AF0-9CDFA0645923}" srcOrd="0" destOrd="7" presId="urn:microsoft.com/office/officeart/2005/8/layout/hList2"/>
     <dgm:cxn modelId="{2540A0B6-00D0-41AC-88E6-DB8C94E2CDDB}" srcId="{2BE6250A-522C-4270-A358-B5DC38BB4211}" destId="{714D073E-F046-42E4-B0A8-923B68A13EF2}" srcOrd="1" destOrd="0" parTransId="{4091E860-C056-4DC2-ACB6-24AA1F7572E5}" sibTransId="{0B32760B-8F5A-4716-82A6-1A583B26111F}"/>
     <dgm:cxn modelId="{197738B9-44DA-4C38-B608-D51BE60C0C9B}" type="presOf" srcId="{E5B0AF67-0594-495B-8305-DA8C79F9BEBE}" destId="{9EFE389D-5BB9-41B7-A656-CC2EB0B15073}" srcOrd="0" destOrd="3" presId="urn:microsoft.com/office/officeart/2005/8/layout/hList2"/>
-    <dgm:cxn modelId="{95CF48C1-E7B1-4519-B979-76B4706FF7B7}" type="presOf" srcId="{1BF965AF-3558-4DDC-9852-67A47EB6F71B}" destId="{735E592F-DFE3-4B0F-8AF0-9CDFA0645923}" srcOrd="0" destOrd="6" presId="urn:microsoft.com/office/officeart/2005/8/layout/hList2"/>
-    <dgm:cxn modelId="{4A2876C1-BE50-42D4-9D25-278181EFE1F1}" type="presOf" srcId="{6B3B8D40-6457-47EF-A961-A4DFFF6DC37B}" destId="{735E592F-DFE3-4B0F-8AF0-9CDFA0645923}" srcOrd="0" destOrd="3" presId="urn:microsoft.com/office/officeart/2005/8/layout/hList2"/>
+    <dgm:cxn modelId="{4A2876C1-BE50-42D4-9D25-278181EFE1F1}" type="presOf" srcId="{6B3B8D40-6457-47EF-A961-A4DFFF6DC37B}" destId="{735E592F-DFE3-4B0F-8AF0-9CDFA0645923}" srcOrd="0" destOrd="2" presId="urn:microsoft.com/office/officeart/2005/8/layout/hList2"/>
     <dgm:cxn modelId="{8AD6C0C4-1EB1-471C-843A-B4AE2785B98E}" srcId="{F5D6B512-5B7A-4FCA-B048-8E29CE92DFEE}" destId="{7C2CD407-33E2-46D8-9C91-7428E816D38B}" srcOrd="0" destOrd="0" parTransId="{DDB81916-9369-4005-BF85-3566954C0EBF}" sibTransId="{60F717B5-B429-4D82-B902-7B6D98688D55}"/>
-    <dgm:cxn modelId="{809DE9C7-50F5-4198-AB0F-89E71E04C650}" srcId="{55C8397B-D8D1-4C92-BAD9-A2156388C123}" destId="{4499DD76-8344-45DF-9ECE-0377D09B1941}" srcOrd="9" destOrd="0" parTransId="{23764FF1-5234-47EA-8B21-5DB980991C85}" sibTransId="{06BDF709-0162-47EB-812B-4853CA1CDE79}"/>
+    <dgm:cxn modelId="{809DE9C7-50F5-4198-AB0F-89E71E04C650}" srcId="{55C8397B-D8D1-4C92-BAD9-A2156388C123}" destId="{4499DD76-8344-45DF-9ECE-0377D09B1941}" srcOrd="7" destOrd="0" parTransId="{23764FF1-5234-47EA-8B21-5DB980991C85}" sibTransId="{06BDF709-0162-47EB-812B-4853CA1CDE79}"/>
+    <dgm:cxn modelId="{FE1CF2C9-7E81-4C67-BC3A-231F854E7F03}" srcId="{55C8397B-D8D1-4C92-BAD9-A2156388C123}" destId="{112BE743-88AA-46B2-BA11-1DB6411FE521}" srcOrd="6" destOrd="0" parTransId="{DE9948A5-02CA-455C-992D-3C830A234251}" sibTransId="{24736694-B1C3-44B1-BCB3-23A928030B05}"/>
     <dgm:cxn modelId="{BB7C45D3-118D-4FEC-8BAB-5C812361F310}" type="presOf" srcId="{7C2CD407-33E2-46D8-9C91-7428E816D38B}" destId="{9EFE389D-5BB9-41B7-A656-CC2EB0B15073}" srcOrd="0" destOrd="0" presId="urn:microsoft.com/office/officeart/2005/8/layout/hList2"/>
     <dgm:cxn modelId="{63CA3ED4-207F-4972-B80B-99A3BCBF4929}" srcId="{2BE6250A-522C-4270-A358-B5DC38BB4211}" destId="{AEDA8D79-C458-4341-88D5-EFCCEB9BCB69}" srcOrd="4" destOrd="0" parTransId="{FBF44631-7E1C-4A46-9820-40580C996946}" sibTransId="{8E704818-97F6-4C0C-B775-1550024E607B}"/>
     <dgm:cxn modelId="{799EB1D5-422F-4691-8506-9BDA4D17830C}" srcId="{2BE6250A-522C-4270-A358-B5DC38BB4211}" destId="{F9713DB8-28DF-4A97-984A-C2307371914C}" srcOrd="0" destOrd="0" parTransId="{72876625-7738-40C9-9B28-0A353BC3FF54}" sibTransId="{83F68FE6-6EB7-40BA-A097-EF45D472E523}"/>
     <dgm:cxn modelId="{911D81E4-F630-4327-AC18-AEBE2848CD81}" srcId="{3A8441C4-6CD7-4536-8B0A-FFD09B15105A}" destId="{55C8397B-D8D1-4C92-BAD9-A2156388C123}" srcOrd="2" destOrd="0" parTransId="{6D89844F-0793-4E0E-82DD-9A20721F89B0}" sibTransId="{46423AE3-E632-494B-825D-B252ECC55882}"/>
     <dgm:cxn modelId="{82ECC7E7-D4C1-4A2A-ABFB-E8045957BEDB}" type="presOf" srcId="{714D073E-F046-42E4-B0A8-923B68A13EF2}" destId="{64212DE4-9BDB-4474-9F1F-D92DE5AFC17D}" srcOrd="0" destOrd="1" presId="urn:microsoft.com/office/officeart/2005/8/layout/hList2"/>
-    <dgm:cxn modelId="{64ABEFED-6E31-4730-BA99-7BCEC61273CC}" srcId="{55C8397B-D8D1-4C92-BAD9-A2156388C123}" destId="{DECE5230-5C08-4630-8BAF-63F8156A6BF3}" srcOrd="8" destOrd="0" parTransId="{6F13EA3D-DC19-4306-A6B2-60BB3EC66AD3}" sibTransId="{6024D773-5731-444E-8750-004AB89647C7}"/>
-    <dgm:cxn modelId="{40CE10F1-64A4-4790-937F-09AECBE75402}" srcId="{55C8397B-D8D1-4C92-BAD9-A2156388C123}" destId="{A5FBDAC6-E599-4987-A296-159A655986B0}" srcOrd="11" destOrd="0" parTransId="{3A2BADE9-2A76-4DE9-BF4E-987D0D5F0D43}" sibTransId="{846575F4-147E-47C9-AF94-AB516545E311}"/>
-    <dgm:cxn modelId="{9D1089F3-A901-414C-A84F-7F0528115863}" srcId="{55C8397B-D8D1-4C92-BAD9-A2156388C123}" destId="{C46D27F7-436F-43F1-9553-5F236FCDF5FE}" srcOrd="1" destOrd="0" parTransId="{CE3D205E-DEEA-4E00-9D03-281E8F22709A}" sibTransId="{4C2E8A26-29C4-45A1-9A92-57397F40A194}"/>
-    <dgm:cxn modelId="{00BC17F4-8EAE-4580-A07A-616915D679E2}" srcId="{55C8397B-D8D1-4C92-BAD9-A2156388C123}" destId="{1BF965AF-3558-4DDC-9852-67A47EB6F71B}" srcOrd="6" destOrd="0" parTransId="{29080692-D71D-457F-8D56-B93EEA6DA137}" sibTransId="{0F6114AD-872E-4200-A3A1-05AA12626626}"/>
-    <dgm:cxn modelId="{D73667F6-786D-4782-96C2-508905B87B24}" srcId="{55C8397B-D8D1-4C92-BAD9-A2156388C123}" destId="{EE05F844-98FD-4325-91FF-F7084B0FDD6D}" srcOrd="7" destOrd="0" parTransId="{C4ACE84F-2194-4F7C-B115-DF70F90C933A}" sibTransId="{AE398BD7-B561-49AA-874E-B82D285B72F1}"/>
+    <dgm:cxn modelId="{40CE10F1-64A4-4790-937F-09AECBE75402}" srcId="{55C8397B-D8D1-4C92-BAD9-A2156388C123}" destId="{A5FBDAC6-E599-4987-A296-159A655986B0}" srcOrd="9" destOrd="0" parTransId="{3A2BADE9-2A76-4DE9-BF4E-987D0D5F0D43}" sibTransId="{846575F4-147E-47C9-AF94-AB516545E311}"/>
+    <dgm:cxn modelId="{D73667F6-786D-4782-96C2-508905B87B24}" srcId="{55C8397B-D8D1-4C92-BAD9-A2156388C123}" destId="{EE05F844-98FD-4325-91FF-F7084B0FDD6D}" srcOrd="5" destOrd="0" parTransId="{C4ACE84F-2194-4F7C-B115-DF70F90C933A}" sibTransId="{AE398BD7-B561-49AA-874E-B82D285B72F1}"/>
     <dgm:cxn modelId="{610B7FFB-AB12-4C70-BCA3-CBDCB626F602}" type="presOf" srcId="{F5D6B512-5B7A-4FCA-B048-8E29CE92DFEE}" destId="{53CA36E0-1507-4EDE-94AA-59FBDEE773BD}" srcOrd="0" destOrd="0" presId="urn:microsoft.com/office/officeart/2005/8/layout/hList2"/>
-    <dgm:cxn modelId="{875CE9FD-F67D-46E3-9BB8-D686E5B6E0A8}" type="presOf" srcId="{DECE5230-5C08-4630-8BAF-63F8156A6BF3}" destId="{735E592F-DFE3-4B0F-8AF0-9CDFA0645923}" srcOrd="0" destOrd="8" presId="urn:microsoft.com/office/officeart/2005/8/layout/hList2"/>
     <dgm:cxn modelId="{66FFFC3B-EA57-4499-877B-959001BCC5C7}" type="presParOf" srcId="{3D12B40A-F119-4088-902B-15A1EB702382}" destId="{53DE36F3-2BD7-4EBD-9F01-968E830BC8FF}" srcOrd="0" destOrd="0" presId="urn:microsoft.com/office/officeart/2005/8/layout/hList2"/>
     <dgm:cxn modelId="{6D1B9D10-7F8D-46EA-BCAD-9623B9A14663}" type="presParOf" srcId="{53DE36F3-2BD7-4EBD-9F01-968E830BC8FF}" destId="{CE3FA190-C7EC-4C41-8017-1A9FC79991DF}" srcOrd="0" destOrd="0" presId="urn:microsoft.com/office/officeart/2005/8/layout/hList2"/>
     <dgm:cxn modelId="{55301FAC-74CE-4DBC-82BE-55CE656DFD07}" type="presParOf" srcId="{53DE36F3-2BD7-4EBD-9F01-968E830BC8FF}" destId="{64212DE4-9BDB-4474-9F1F-D92DE5AFC17D}" srcOrd="1" destOrd="0" presId="urn:microsoft.com/office/officeart/2005/8/layout/hList2"/>
@@ -3648,7 +3611,7 @@
   <dgm:whole/>
   <dgm:extLst>
     <a:ext uri="http://schemas.microsoft.com/office/drawing/2008/diagram">
-      <dsp:dataModelExt xmlns:dsp="http://schemas.microsoft.com/office/drawing/2008/diagram" relId="rId13" minVer="http://schemas.openxmlformats.org/drawingml/2006/diagram"/>
+      <dsp:dataModelExt xmlns:dsp="http://schemas.microsoft.com/office/drawing/2008/diagram" relId="rId12" minVer="http://schemas.openxmlformats.org/drawingml/2006/diagram"/>
     </a:ext>
   </dgm:extLst>
 </dgm:dataModel>
@@ -3669,8 +3632,8 @@
       </dsp:nvSpPr>
       <dsp:spPr>
         <a:xfrm rot="5400000" flipH="1">
-          <a:off x="-849193" y="2255359"/>
-          <a:ext cx="1825241" cy="126854"/>
+          <a:off x="-896378" y="2366444"/>
+          <a:ext cx="1920046" cy="127290"/>
         </a:xfrm>
         <a:prstGeom prst="rect">
           <a:avLst/>
@@ -3694,7 +3657,7 @@
         <a:fontRef idx="minor"/>
       </dsp:style>
       <dsp:txBody>
-        <a:bodyPr spcFirstLastPara="0" vert="horz" wrap="square" lIns="0" tIns="0" rIns="251718" bIns="0" numCol="1" spcCol="1270" anchor="t" anchorCtr="0">
+        <a:bodyPr spcFirstLastPara="0" vert="horz" wrap="square" lIns="0" tIns="0" rIns="252582" bIns="0" numCol="1" spcCol="1270" anchor="t" anchorCtr="0">
           <a:noAutofit/>
         </a:bodyPr>
         <a:lstStyle/>
@@ -3715,8 +3678,8 @@
         </a:p>
       </dsp:txBody>
       <dsp:txXfrm>
-        <a:off x="-849193" y="2255359"/>
-        <a:ext cx="1825241" cy="126854"/>
+        <a:off x="-896378" y="2366444"/>
+        <a:ext cx="1920046" cy="127290"/>
       </dsp:txXfrm>
     </dsp:sp>
     <dsp:sp modelId="{64212DE4-9BDB-4474-9F1F-D92DE5AFC17D}">
@@ -3726,8 +3689,8 @@
       </dsp:nvSpPr>
       <dsp:spPr>
         <a:xfrm>
-          <a:off x="594894" y="483809"/>
-          <a:ext cx="2535677" cy="3635556"/>
+          <a:off x="577769" y="499801"/>
+          <a:ext cx="2544388" cy="3824391"/>
         </a:xfrm>
         <a:prstGeom prst="rect">
           <a:avLst/>
@@ -3862,7 +3825,7 @@
             <a:buChar char="•"/>
           </a:pPr>
           <a:r>
-            <a:rPr lang="en-GB" sz="1800" kern="1200">
+            <a:rPr lang="en-GB" sz="1800" kern="1200" dirty="0">
               <a:solidFill>
                 <a:schemeClr val="tx1"/>
               </a:solidFill>
@@ -3870,12 +3833,28 @@
             <a:t>high degree of transferability - </a:t>
           </a:r>
           <a:r>
-            <a:rPr lang="en-GB" kern="1200">
+            <a:rPr lang="en-GB" kern="1200" dirty="0">
               <a:solidFill>
                 <a:schemeClr val="tx1"/>
               </a:solidFill>
             </a:rPr>
-            <a:t>independent of AoI &amp; structure of fields</a:t>
+            <a:t>independent of </a:t>
+          </a:r>
+          <a:r>
+            <a:rPr lang="en-GB" kern="1200" dirty="0" err="1">
+              <a:solidFill>
+                <a:schemeClr val="tx1"/>
+              </a:solidFill>
+            </a:rPr>
+            <a:t>AoI</a:t>
+          </a:r>
+          <a:r>
+            <a:rPr lang="en-GB" kern="1200" dirty="0">
+              <a:solidFill>
+                <a:schemeClr val="tx1"/>
+              </a:solidFill>
+            </a:rPr>
+            <a:t> &amp; structure of fields</a:t>
           </a:r>
           <a:endParaRPr lang="de-DE" sz="1800" kern="1200" dirty="0">
             <a:solidFill>
@@ -3898,7 +3877,7 @@
             <a:buChar char="•"/>
           </a:pPr>
           <a:r>
-            <a:rPr lang="en-GB" sz="1800" kern="1200">
+            <a:rPr lang="en-GB" sz="1800" kern="1200" dirty="0">
               <a:solidFill>
                 <a:schemeClr val="tx1"/>
               </a:solidFill>
@@ -3953,8 +3932,8 @@
         </a:p>
       </dsp:txBody>
       <dsp:txXfrm>
-        <a:off x="594894" y="483809"/>
-        <a:ext cx="2535677" cy="3635556"/>
+        <a:off x="577769" y="499801"/>
+        <a:ext cx="2544388" cy="3824391"/>
       </dsp:txXfrm>
     </dsp:sp>
     <dsp:sp modelId="{CE3FA190-C7EC-4C41-8017-1A9FC79991DF}">
@@ -3964,8 +3943,8 @@
       </dsp:nvSpPr>
       <dsp:spPr>
         <a:xfrm>
-          <a:off x="45471" y="122661"/>
-          <a:ext cx="570824" cy="570824"/>
+          <a:off x="26459" y="143315"/>
+          <a:ext cx="572785" cy="572785"/>
         </a:xfrm>
         <a:prstGeom prst="rect">
           <a:avLst/>
@@ -4013,8 +3992,8 @@
       </dsp:nvSpPr>
       <dsp:spPr>
         <a:xfrm rot="16200000">
-          <a:off x="-104352" y="2127595"/>
-          <a:ext cx="1395856" cy="669225"/>
+          <a:off x="-159039" y="2245198"/>
+          <a:ext cx="1468358" cy="671524"/>
         </a:xfrm>
         <a:prstGeom prst="rect">
           <a:avLst/>
@@ -4038,7 +4017,7 @@
         <a:fontRef idx="minor"/>
       </dsp:style>
       <dsp:txBody>
-        <a:bodyPr spcFirstLastPara="0" vert="horz" wrap="square" lIns="0" tIns="0" rIns="251718" bIns="0" numCol="1" spcCol="1270" anchor="t" anchorCtr="0">
+        <a:bodyPr spcFirstLastPara="0" vert="horz" wrap="square" lIns="0" tIns="0" rIns="252582" bIns="0" numCol="1" spcCol="1270" anchor="t" anchorCtr="0">
           <a:noAutofit/>
         </a:bodyPr>
         <a:lstStyle/>
@@ -4059,8 +4038,8 @@
         </a:p>
       </dsp:txBody>
       <dsp:txXfrm>
-        <a:off x="-104352" y="2127595"/>
-        <a:ext cx="1395856" cy="669225"/>
+        <a:off x="-159039" y="2245198"/>
+        <a:ext cx="1468358" cy="671524"/>
       </dsp:txXfrm>
     </dsp:sp>
     <dsp:sp modelId="{9EFE389D-5BB9-41B7-A656-CC2EB0B15073}">
@@ -4070,8 +4049,8 @@
       </dsp:nvSpPr>
       <dsp:spPr>
         <a:xfrm>
-          <a:off x="3821914" y="496479"/>
-          <a:ext cx="2072374" cy="3632062"/>
+          <a:off x="3814569" y="513129"/>
+          <a:ext cx="2079493" cy="3820715"/>
         </a:xfrm>
         <a:prstGeom prst="rect">
           <a:avLst/>
@@ -4181,7 +4160,7 @@
                 <a:schemeClr val="tx1"/>
               </a:solidFill>
             </a:rPr>
-            <a:t>python script for retrieving S2 L3 sample data for Germany</a:t>
+            <a:t>python script for retrieving S2 L3 data for Germany</a:t>
           </a:r>
           <a:endParaRPr lang="de-DE" sz="1800" b="0" kern="1200" dirty="0">
             <a:solidFill>
@@ -4217,7 +4196,35 @@
                 <a:schemeClr val="tx1"/>
               </a:solidFill>
             </a:rPr>
-            <a:t> Developer &amp; Architect</a:t>
+            <a:t> solution for field delineation</a:t>
+          </a:r>
+          <a:endParaRPr lang="de-DE" sz="1800" b="0" kern="1200" dirty="0">
+            <a:solidFill>
+              <a:schemeClr val="tx1"/>
+            </a:solidFill>
+          </a:endParaRPr>
+        </a:p>
+        <a:p>
+          <a:pPr marL="171450" lvl="1" indent="-171450" algn="l" defTabSz="800100">
+            <a:lnSpc>
+              <a:spcPct val="90000"/>
+            </a:lnSpc>
+            <a:spcBef>
+              <a:spcPct val="0"/>
+            </a:spcBef>
+            <a:spcAft>
+              <a:spcPct val="15000"/>
+            </a:spcAft>
+            <a:buFont typeface="Arial" panose="020B0604020202020204" pitchFamily="34" charset="0"/>
+            <a:buChar char="•"/>
+          </a:pPr>
+          <a:r>
+            <a:rPr lang="en-GB" sz="1800" b="0" kern="1200" dirty="0">
+              <a:solidFill>
+                <a:schemeClr val="tx1"/>
+              </a:solidFill>
+            </a:rPr>
+            <a:t>python script for object-based acc. assessment</a:t>
           </a:r>
           <a:endParaRPr lang="de-DE" sz="1800" b="0" kern="1200" dirty="0">
             <a:solidFill>
@@ -4227,8 +4234,8 @@
         </a:p>
       </dsp:txBody>
       <dsp:txXfrm>
-        <a:off x="3821914" y="496479"/>
-        <a:ext cx="2072374" cy="3632062"/>
+        <a:off x="3814569" y="513129"/>
+        <a:ext cx="2079493" cy="3820715"/>
       </dsp:txXfrm>
     </dsp:sp>
     <dsp:sp modelId="{0C5288DD-32D5-4F2D-873D-D6C69CBCDB59}">
@@ -4238,8 +4245,8 @@
       </dsp:nvSpPr>
       <dsp:spPr>
         <a:xfrm>
-          <a:off x="3311203" y="125030"/>
-          <a:ext cx="570824" cy="570824"/>
+          <a:off x="3302103" y="145692"/>
+          <a:ext cx="572785" cy="572785"/>
         </a:xfrm>
         <a:prstGeom prst="rect">
           <a:avLst/>
@@ -4287,8 +4294,8 @@
       </dsp:nvSpPr>
       <dsp:spPr>
         <a:xfrm rot="16200000">
-          <a:off x="1406011" y="4090414"/>
-          <a:ext cx="94269" cy="422852"/>
+          <a:off x="1386774" y="4313129"/>
+          <a:ext cx="99165" cy="424304"/>
         </a:xfrm>
         <a:prstGeom prst="rect">
           <a:avLst/>
@@ -4312,7 +4319,7 @@
         <a:fontRef idx="minor"/>
       </dsp:style>
       <dsp:txBody>
-        <a:bodyPr spcFirstLastPara="0" vert="horz" wrap="square" lIns="0" tIns="0" rIns="251718" bIns="0" numCol="1" spcCol="1270" anchor="t" anchorCtr="0">
+        <a:bodyPr spcFirstLastPara="0" vert="horz" wrap="square" lIns="0" tIns="0" rIns="252582" bIns="0" numCol="1" spcCol="1270" anchor="t" anchorCtr="0">
           <a:noAutofit/>
         </a:bodyPr>
         <a:lstStyle/>
@@ -4333,8 +4340,8 @@
         </a:p>
       </dsp:txBody>
       <dsp:txXfrm>
-        <a:off x="1406011" y="4090414"/>
-        <a:ext cx="94269" cy="422852"/>
+        <a:off x="1386774" y="4313129"/>
+        <a:ext cx="99165" cy="424304"/>
       </dsp:txXfrm>
     </dsp:sp>
     <dsp:sp modelId="{735E592F-DFE3-4B0F-8AF0-9CDFA0645923}">
@@ -4344,8 +4351,8 @@
       </dsp:nvSpPr>
       <dsp:spPr>
         <a:xfrm>
-          <a:off x="6655081" y="490814"/>
-          <a:ext cx="5210677" cy="3637286"/>
+          <a:off x="6656162" y="507170"/>
+          <a:ext cx="5228577" cy="3826211"/>
         </a:xfrm>
         <a:prstGeom prst="rect">
           <a:avLst/>
@@ -4413,34 +4420,6 @@
             <a:spcAft>
               <a:spcPct val="15000"/>
             </a:spcAft>
-            <a:buFont typeface="+mj-lt"/>
-            <a:buAutoNum type="romanUcPeriod"/>
-          </a:pPr>
-          <a:r>
-            <a:rPr lang="en-GB" sz="1800" kern="1200" dirty="0">
-              <a:solidFill>
-                <a:schemeClr val="tx1"/>
-              </a:solidFill>
-            </a:rPr>
-            <a:t> Field delineation</a:t>
-          </a:r>
-          <a:endParaRPr lang="de-DE" sz="1800" kern="1200" dirty="0">
-            <a:solidFill>
-              <a:schemeClr val="tx1"/>
-            </a:solidFill>
-          </a:endParaRPr>
-        </a:p>
-        <a:p>
-          <a:pPr marL="171450" lvl="1" indent="-171450" algn="l" defTabSz="800100">
-            <a:lnSpc>
-              <a:spcPct val="90000"/>
-            </a:lnSpc>
-            <a:spcBef>
-              <a:spcPct val="0"/>
-            </a:spcBef>
-            <a:spcAft>
-              <a:spcPct val="15000"/>
-            </a:spcAft>
             <a:buFont typeface="Arial" panose="020B0604020202020204" pitchFamily="34" charset="0"/>
             <a:buChar char="•"/>
             <a:tabLst>
@@ -4484,7 +4463,7 @@
                 <a:schemeClr val="tx1"/>
               </a:solidFill>
             </a:rPr>
-            <a:t>watershed segmentation with optimal parametrisation based on user selected samples</a:t>
+            <a:t>watershed segmentation with optimal parametrisation based on training samples provided by the user</a:t>
           </a:r>
           <a:endParaRPr lang="de-DE" sz="1800" kern="1200" dirty="0">
             <a:solidFill>
@@ -4512,7 +4491,7 @@
                 <a:schemeClr val="tx1"/>
               </a:solidFill>
             </a:rPr>
-            <a:t>noise removal &amp; merging/resizing of smaller objects</a:t>
+            <a:t>noise removal, i.e. merging/resizing of smaller objects</a:t>
           </a:r>
           <a:endParaRPr lang="de-DE" sz="1800" kern="1200" dirty="0">
             <a:solidFill>
@@ -4531,9 +4510,17 @@
             <a:spcAft>
               <a:spcPct val="15000"/>
             </a:spcAft>
-            <a:buFont typeface="+mj-lt"/>
-            <a:buNone/>
+            <a:buFont typeface="Arial" panose="020B0604020202020204" pitchFamily="34" charset="0"/>
+            <a:buChar char="•"/>
           </a:pPr>
+          <a:r>
+            <a:rPr lang="en-GB" sz="1800" kern="1200" dirty="0">
+              <a:solidFill>
+                <a:schemeClr val="tx1"/>
+              </a:solidFill>
+            </a:rPr>
+            <a:t>sample-based field extraction &amp; masking of non-agricultural land using temporal NDVI curves and geometrical/topological object features</a:t>
+          </a:r>
           <a:endParaRPr lang="de-DE" sz="1800" kern="1200" dirty="0">
             <a:solidFill>
               <a:schemeClr val="tx1"/>
@@ -4551,19 +4538,19 @@
             <a:spcAft>
               <a:spcPct val="15000"/>
             </a:spcAft>
-            <a:buFont typeface="+mj-lt"/>
-            <a:buNone/>
+            <a:buFont typeface="Arial" panose="020B0604020202020204" pitchFamily="34" charset="0"/>
+            <a:buChar char="•"/>
             <a:tabLst>
               <a:tab pos="177800" algn="l"/>
             </a:tabLst>
           </a:pPr>
           <a:r>
-            <a:rPr lang="en-GB" sz="1800" kern="1200" dirty="0">
+            <a:rPr lang="en-US" sz="1800" kern="1200" dirty="0">
               <a:solidFill>
                 <a:schemeClr val="tx1"/>
               </a:solidFill>
             </a:rPr>
-            <a:t>II. Field extraction &amp; masking of non-agricultural land</a:t>
+            <a:t>adjustment of the degree of over-segmentation</a:t>
           </a:r>
           <a:endParaRPr lang="de-DE" sz="1800" kern="1200" dirty="0">
             <a:solidFill>
@@ -4594,38 +4581,7 @@
                 <a:schemeClr val="tx1"/>
               </a:solidFill>
             </a:rPr>
-            <a:t>knowledge-based temporal NDVI thresholding</a:t>
-          </a:r>
-          <a:endParaRPr lang="de-DE" sz="1800" kern="1200" dirty="0">
-            <a:solidFill>
-              <a:schemeClr val="tx1"/>
-            </a:solidFill>
-          </a:endParaRPr>
-        </a:p>
-        <a:p>
-          <a:pPr marL="171450" lvl="1" indent="-171450" algn="l" defTabSz="800100">
-            <a:lnSpc>
-              <a:spcPct val="90000"/>
-            </a:lnSpc>
-            <a:spcBef>
-              <a:spcPct val="0"/>
-            </a:spcBef>
-            <a:spcAft>
-              <a:spcPct val="15000"/>
-            </a:spcAft>
-            <a:buFont typeface="Arial" panose="020B0604020202020204" pitchFamily="34" charset="0"/>
-            <a:buChar char="•"/>
-            <a:tabLst>
-              <a:tab pos="177800" algn="l"/>
-            </a:tabLst>
-          </a:pPr>
-          <a:r>
-            <a:rPr lang="en-GB" sz="1800" kern="1200" dirty="0">
-              <a:solidFill>
-                <a:schemeClr val="tx1"/>
-              </a:solidFill>
-            </a:rPr>
-            <a:t>sample-based classification approach</a:t>
+            <a:t>export of results &amp; accuracy assessment via area- and edge-based metrics</a:t>
           </a:r>
           <a:endParaRPr lang="de-DE" sz="1800" kern="1200" dirty="0">
             <a:solidFill>
@@ -4695,8 +4651,8 @@
         </a:p>
       </dsp:txBody>
       <dsp:txXfrm>
-        <a:off x="6655081" y="490814"/>
-        <a:ext cx="5210677" cy="3637286"/>
+        <a:off x="6656162" y="507170"/>
+        <a:ext cx="5228577" cy="3826211"/>
       </dsp:txXfrm>
     </dsp:sp>
     <dsp:sp modelId="{F6364BFB-D53A-41C6-B002-7A3667796D5F}">
@@ -4706,8 +4662,8 @@
       </dsp:nvSpPr>
       <dsp:spPr>
         <a:xfrm>
-          <a:off x="6095007" y="125030"/>
-          <a:ext cx="570824" cy="570824"/>
+          <a:off x="6094164" y="145692"/>
+          <a:ext cx="572785" cy="572785"/>
         </a:xfrm>
         <a:prstGeom prst="rect">
           <a:avLst/>
@@ -4764,8 +4720,8 @@
       </dsp:nvSpPr>
       <dsp:spPr>
         <a:xfrm rot="16200000">
-          <a:off x="77100" y="985119"/>
-          <a:ext cx="750745" cy="904946"/>
+          <a:off x="64673" y="826342"/>
+          <a:ext cx="629743" cy="759091"/>
         </a:xfrm>
         <a:prstGeom prst="rect">
           <a:avLst/>
@@ -4789,7 +4745,7 @@
         <a:fontRef idx="minor"/>
       </dsp:style>
       <dsp:txBody>
-        <a:bodyPr spcFirstLastPara="0" vert="horz" wrap="square" lIns="0" tIns="0" rIns="340380" bIns="0" numCol="1" spcCol="1270" anchor="t" anchorCtr="0">
+        <a:bodyPr spcFirstLastPara="0" vert="horz" wrap="square" lIns="0" tIns="0" rIns="285519" bIns="0" numCol="1" spcCol="1270" anchor="t" anchorCtr="0">
           <a:noAutofit/>
         </a:bodyPr>
         <a:lstStyle/>
@@ -4810,8 +4766,8 @@
         </a:p>
       </dsp:txBody>
       <dsp:txXfrm>
-        <a:off x="77100" y="985119"/>
-        <a:ext cx="750745" cy="904946"/>
+        <a:off x="64673" y="826342"/>
+        <a:ext cx="629743" cy="759091"/>
       </dsp:txXfrm>
     </dsp:sp>
     <dsp:sp modelId="{9EFE389D-5BB9-41B7-A656-CC2EB0B15073}">
@@ -4821,8 +4777,8 @@
       </dsp:nvSpPr>
       <dsp:spPr>
         <a:xfrm>
-          <a:off x="540499" y="343758"/>
-          <a:ext cx="7391380" cy="1917027"/>
+          <a:off x="570634" y="288353"/>
+          <a:ext cx="7329208" cy="1608050"/>
         </a:xfrm>
         <a:prstGeom prst="rect">
           <a:avLst/>
@@ -4854,7 +4810,7 @@
         </a:fontRef>
       </dsp:style>
       <dsp:txBody>
-        <a:bodyPr spcFirstLastPara="0" vert="horz" wrap="square" lIns="142240" tIns="340380" rIns="142240" bIns="142240" numCol="1" spcCol="1270" anchor="t" anchorCtr="0">
+        <a:bodyPr spcFirstLastPara="0" vert="horz" wrap="square" lIns="142240" tIns="285519" rIns="142240" bIns="142240" numCol="1" spcCol="1270" anchor="t" anchorCtr="0">
           <a:noAutofit/>
         </a:bodyPr>
         <a:lstStyle/>
@@ -4933,8 +4889,8 @@
         </a:p>
       </dsp:txBody>
       <dsp:txXfrm>
-        <a:off x="540499" y="343758"/>
-        <a:ext cx="7391380" cy="1917027"/>
+        <a:off x="570634" y="288353"/>
+        <a:ext cx="7329208" cy="1608050"/>
       </dsp:txXfrm>
     </dsp:sp>
     <dsp:sp modelId="{0C5288DD-32D5-4F2D-873D-D6C69CBCDB59}">
@@ -4944,8 +4900,8 @@
       </dsp:nvSpPr>
       <dsp:spPr>
         <a:xfrm>
-          <a:off x="0" y="90845"/>
-          <a:ext cx="476615" cy="572298"/>
+          <a:off x="239106" y="76203"/>
+          <a:ext cx="399797" cy="480058"/>
         </a:xfrm>
         <a:prstGeom prst="rect">
           <a:avLst/>
@@ -7725,7 +7681,7 @@
           <a:p>
             <a:fld id="{FB241DD2-5831-4E14-B70E-1642D4AA9E29}" type="datetimeFigureOut">
               <a:rPr lang="de-DE" smtClean="0"/>
-              <a:t>09.06.2022</a:t>
+              <a:t>19.06.2022</a:t>
             </a:fld>
             <a:endParaRPr lang="de-DE"/>
           </a:p>
@@ -7906,7 +7862,7 @@
           <a:p>
             <a:fld id="{3F4A1878-53F2-462E-B03A-1D6C893562D7}" type="datetimeFigureOut">
               <a:rPr lang="de-DE" smtClean="0"/>
-              <a:t>09.06.2022</a:t>
+              <a:t>19.06.2022</a:t>
             </a:fld>
             <a:endParaRPr lang="de-DE"/>
           </a:p>
@@ -9096,7 +9052,7 @@
           <a:p>
             <a:fld id="{6C489872-03EB-44C8-BEDD-D6A439ADC7D7}" type="datetime1">
               <a:rPr lang="de-DE" smtClean="0"/>
-              <a:t>09.06.2022</a:t>
+              <a:t>19.06.2022</a:t>
             </a:fld>
             <a:endParaRPr lang="de-DE"/>
           </a:p>
@@ -9350,7 +9306,7 @@
           <a:p>
             <a:fld id="{3DF405A0-B781-4155-AFD3-1227771419AA}" type="datetime1">
               <a:rPr lang="de-DE" smtClean="0"/>
-              <a:t>09.06.2022</a:t>
+              <a:t>19.06.2022</a:t>
             </a:fld>
             <a:endParaRPr lang="de-DE"/>
           </a:p>
@@ -9668,7 +9624,7 @@
           <a:p>
             <a:fld id="{3DF405A0-B781-4155-AFD3-1227771419AA}" type="datetime1">
               <a:rPr lang="de-DE" smtClean="0"/>
-              <a:t>09.06.2022</a:t>
+              <a:t>19.06.2022</a:t>
             </a:fld>
             <a:endParaRPr lang="de-DE"/>
           </a:p>
@@ -10013,7 +9969,7 @@
           <a:p>
             <a:fld id="{3DF405A0-B781-4155-AFD3-1227771419AA}" type="datetime1">
               <a:rPr lang="de-DE" smtClean="0"/>
-              <a:t>09.06.2022</a:t>
+              <a:t>19.06.2022</a:t>
             </a:fld>
             <a:endParaRPr lang="de-DE"/>
           </a:p>
@@ -10331,7 +10287,7 @@
           <a:p>
             <a:fld id="{3DF405A0-B781-4155-AFD3-1227771419AA}" type="datetime1">
               <a:rPr lang="de-DE" smtClean="0"/>
-              <a:t>09.06.2022</a:t>
+              <a:t>19.06.2022</a:t>
             </a:fld>
             <a:endParaRPr lang="de-DE"/>
           </a:p>
@@ -10728,7 +10684,7 @@
           <a:p>
             <a:fld id="{3DF405A0-B781-4155-AFD3-1227771419AA}" type="datetime1">
               <a:rPr lang="de-DE" smtClean="0"/>
-              <a:t>09.06.2022</a:t>
+              <a:t>19.06.2022</a:t>
             </a:fld>
             <a:endParaRPr lang="de-DE"/>
           </a:p>
@@ -10902,7 +10858,7 @@
           <a:p>
             <a:fld id="{E2FCB9EF-FC9A-4BB8-9C32-6D6E8E3B1897}" type="datetime1">
               <a:rPr lang="de-DE" smtClean="0"/>
-              <a:t>09.06.2022</a:t>
+              <a:t>19.06.2022</a:t>
             </a:fld>
             <a:endParaRPr lang="de-DE"/>
           </a:p>
@@ -11085,7 +11041,7 @@
           <a:p>
             <a:fld id="{DF206D3A-03D6-4689-9DE2-CE4654E486CB}" type="datetime1">
               <a:rPr lang="de-DE" smtClean="0"/>
-              <a:t>09.06.2022</a:t>
+              <a:t>19.06.2022</a:t>
             </a:fld>
             <a:endParaRPr lang="de-DE"/>
           </a:p>
@@ -11296,7 +11252,7 @@
           <a:p>
             <a:fld id="{6C489872-03EB-44C8-BEDD-D6A439ADC7D7}" type="datetime1">
               <a:rPr lang="de-DE" smtClean="0"/>
-              <a:t>09.06.2022</a:t>
+              <a:t>19.06.2022</a:t>
             </a:fld>
             <a:endParaRPr lang="de-DE"/>
           </a:p>
@@ -11497,7 +11453,7 @@
           <a:p>
             <a:fld id="{A38A0EAC-FB92-423E-9C58-373AFA0ED3B6}" type="datetime1">
               <a:rPr lang="de-DE" smtClean="0"/>
-              <a:t>09.06.2022</a:t>
+              <a:t>19.06.2022</a:t>
             </a:fld>
             <a:endParaRPr lang="de-DE"/>
           </a:p>
@@ -11775,7 +11731,7 @@
           <a:p>
             <a:fld id="{424FD1EF-6749-490E-A355-732AED92E256}" type="datetime1">
               <a:rPr lang="de-DE" smtClean="0"/>
-              <a:t>09.06.2022</a:t>
+              <a:t>19.06.2022</a:t>
             </a:fld>
             <a:endParaRPr lang="de-DE"/>
           </a:p>
@@ -11966,7 +11922,7 @@
           <a:p>
             <a:fld id="{A38A0EAC-FB92-423E-9C58-373AFA0ED3B6}" type="datetime1">
               <a:rPr lang="de-DE" smtClean="0"/>
-              <a:t>09.06.2022</a:t>
+              <a:t>19.06.2022</a:t>
             </a:fld>
             <a:endParaRPr lang="de-DE"/>
           </a:p>
@@ -12222,7 +12178,7 @@
           <a:p>
             <a:fld id="{20C2D8DB-FCD5-44C8-89C0-12555845E52B}" type="datetime1">
               <a:rPr lang="de-DE" smtClean="0"/>
-              <a:t>09.06.2022</a:t>
+              <a:t>19.06.2022</a:t>
             </a:fld>
             <a:endParaRPr lang="de-DE"/>
           </a:p>
@@ -12637,7 +12593,7 @@
           <a:p>
             <a:fld id="{91C05F5E-CAC1-4EDF-A894-2D4498EAE2BC}" type="datetime1">
               <a:rPr lang="de-DE" smtClean="0"/>
-              <a:t>09.06.2022</a:t>
+              <a:t>19.06.2022</a:t>
             </a:fld>
             <a:endParaRPr lang="de-DE"/>
           </a:p>
@@ -12781,7 +12737,7 @@
           <a:p>
             <a:fld id="{5FDDB4F0-9729-48BC-BC6C-09B164B06361}" type="datetime1">
               <a:rPr lang="de-DE" smtClean="0"/>
-              <a:t>09.06.2022</a:t>
+              <a:t>19.06.2022</a:t>
             </a:fld>
             <a:endParaRPr lang="de-DE"/>
           </a:p>
@@ -12897,7 +12853,7 @@
           <a:p>
             <a:fld id="{E23DFF29-207E-4F64-A144-8FB1B590FFB8}" type="datetime1">
               <a:rPr lang="de-DE" smtClean="0"/>
-              <a:t>09.06.2022</a:t>
+              <a:t>19.06.2022</a:t>
             </a:fld>
             <a:endParaRPr lang="de-DE"/>
           </a:p>
@@ -13211,7 +13167,7 @@
           <a:p>
             <a:fld id="{B9FAA3FD-CF5A-43ED-85A8-3CE064044CBD}" type="datetime1">
               <a:rPr lang="de-DE" smtClean="0"/>
-              <a:t>09.06.2022</a:t>
+              <a:t>19.06.2022</a:t>
             </a:fld>
             <a:endParaRPr lang="de-DE"/>
           </a:p>
@@ -13502,7 +13458,7 @@
           <a:p>
             <a:fld id="{D32AA0AC-F8BF-4FEF-811A-43542B1722BA}" type="datetime1">
               <a:rPr lang="de-DE" smtClean="0"/>
-              <a:t>09.06.2022</a:t>
+              <a:t>19.06.2022</a:t>
             </a:fld>
             <a:endParaRPr lang="de-DE"/>
           </a:p>
@@ -13703,7 +13659,7 @@
           <a:p>
             <a:fld id="{E2FCB9EF-FC9A-4BB8-9C32-6D6E8E3B1897}" type="datetime1">
               <a:rPr lang="de-DE" smtClean="0"/>
-              <a:t>09.06.2022</a:t>
+              <a:t>19.06.2022</a:t>
             </a:fld>
             <a:endParaRPr lang="de-DE"/>
           </a:p>
@@ -13914,7 +13870,7 @@
           <a:p>
             <a:fld id="{DF206D3A-03D6-4689-9DE2-CE4654E486CB}" type="datetime1">
               <a:rPr lang="de-DE" smtClean="0"/>
-              <a:t>09.06.2022</a:t>
+              <a:t>19.06.2022</a:t>
             </a:fld>
             <a:endParaRPr lang="de-DE"/>
           </a:p>
@@ -14176,7 +14132,7 @@
           <a:p>
             <a:fld id="{424FD1EF-6749-490E-A355-732AED92E256}" type="datetime1">
               <a:rPr lang="de-DE" smtClean="0"/>
-              <a:t>09.06.2022</a:t>
+              <a:t>19.06.2022</a:t>
             </a:fld>
             <a:endParaRPr lang="de-DE"/>
           </a:p>
@@ -14411,7 +14367,7 @@
           <a:p>
             <a:fld id="{20C2D8DB-FCD5-44C8-89C0-12555845E52B}" type="datetime1">
               <a:rPr lang="de-DE" smtClean="0"/>
-              <a:t>09.06.2022</a:t>
+              <a:t>19.06.2022</a:t>
             </a:fld>
             <a:endParaRPr lang="de-DE"/>
           </a:p>
@@ -14788,7 +14744,7 @@
           <a:p>
             <a:fld id="{91C05F5E-CAC1-4EDF-A894-2D4498EAE2BC}" type="datetime1">
               <a:rPr lang="de-DE" smtClean="0"/>
-              <a:t>09.06.2022</a:t>
+              <a:t>19.06.2022</a:t>
             </a:fld>
             <a:endParaRPr lang="de-DE"/>
           </a:p>
@@ -14914,7 +14870,7 @@
           <a:p>
             <a:fld id="{5FDDB4F0-9729-48BC-BC6C-09B164B06361}" type="datetime1">
               <a:rPr lang="de-DE" smtClean="0"/>
-              <a:t>09.06.2022</a:t>
+              <a:t>19.06.2022</a:t>
             </a:fld>
             <a:endParaRPr lang="de-DE"/>
           </a:p>
@@ -15012,7 +14968,7 @@
           <a:p>
             <a:fld id="{E23DFF29-207E-4F64-A144-8FB1B590FFB8}" type="datetime1">
               <a:rPr lang="de-DE" smtClean="0"/>
-              <a:t>09.06.2022</a:t>
+              <a:t>19.06.2022</a:t>
             </a:fld>
             <a:endParaRPr lang="de-DE"/>
           </a:p>
@@ -15270,7 +15226,7 @@
           <a:p>
             <a:fld id="{B9FAA3FD-CF5A-43ED-85A8-3CE064044CBD}" type="datetime1">
               <a:rPr lang="de-DE" smtClean="0"/>
-              <a:t>09.06.2022</a:t>
+              <a:t>19.06.2022</a:t>
             </a:fld>
             <a:endParaRPr lang="de-DE"/>
           </a:p>
@@ -15536,7 +15492,7 @@
           <a:p>
             <a:fld id="{D32AA0AC-F8BF-4FEF-811A-43542B1722BA}" type="datetime1">
               <a:rPr lang="de-DE" smtClean="0"/>
-              <a:t>09.06.2022</a:t>
+              <a:t>19.06.2022</a:t>
             </a:fld>
             <a:endParaRPr lang="de-DE"/>
           </a:p>
@@ -16282,7 +16238,7 @@
           <a:p>
             <a:fld id="{3DF405A0-B781-4155-AFD3-1227771419AA}" type="datetime1">
               <a:rPr lang="de-DE" smtClean="0"/>
-              <a:t>09.06.2022</a:t>
+              <a:t>19.06.2022</a:t>
             </a:fld>
             <a:endParaRPr lang="de-DE"/>
           </a:p>
@@ -16961,7 +16917,7 @@
           <a:p>
             <a:fld id="{3DF405A0-B781-4155-AFD3-1227771419AA}" type="datetime1">
               <a:rPr lang="de-DE" smtClean="0"/>
-              <a:t>09.06.2022</a:t>
+              <a:t>19.06.2022</a:t>
             </a:fld>
             <a:endParaRPr lang="de-DE"/>
           </a:p>
@@ -18314,14 +18270,14 @@
           <p:nvPr>
             <p:extLst>
               <p:ext uri="{D42A27DB-BD31-4B8C-83A1-F6EECF244321}">
-                <p14:modId xmlns:p14="http://schemas.microsoft.com/office/powerpoint/2010/main" val="2800325102"/>
+                <p14:modId xmlns:p14="http://schemas.microsoft.com/office/powerpoint/2010/main" val="1299037424"/>
               </p:ext>
             </p:extLst>
           </p:nvPr>
         </p:nvGraphicFramePr>
         <p:xfrm>
           <a:off x="135673" y="365125"/>
-          <a:ext cx="11920653" cy="4348975"/>
+          <a:ext cx="11920653" cy="4574865"/>
         </p:xfrm>
         <a:graphic>
           <a:graphicData uri="http://schemas.openxmlformats.org/drawingml/2006/diagram">
@@ -18343,12 +18299,40 @@
         </p:nvGrpSpPr>
         <p:grpSpPr>
           <a:xfrm>
-            <a:off x="181145" y="4337104"/>
-            <a:ext cx="8246236" cy="2339045"/>
-            <a:chOff x="719345" y="4429898"/>
-            <a:chExt cx="8246236" cy="2339045"/>
+            <a:off x="181145" y="4714100"/>
+            <a:ext cx="8246236" cy="1962049"/>
+            <a:chOff x="719345" y="4806894"/>
+            <a:chExt cx="8246236" cy="1962049"/>
           </a:xfrm>
         </p:grpSpPr>
+        <p:graphicFrame>
+          <p:nvGraphicFramePr>
+            <p:cNvPr id="24" name="Diagramm 23">
+              <a:extLst>
+                <a:ext uri="{FF2B5EF4-FFF2-40B4-BE49-F238E27FC236}">
+                  <a16:creationId xmlns:a16="http://schemas.microsoft.com/office/drawing/2014/main" id="{4A62135B-1AB1-5CEB-4AF3-A1810B66DD30}"/>
+                </a:ext>
+              </a:extLst>
+            </p:cNvPr>
+            <p:cNvGraphicFramePr/>
+            <p:nvPr>
+              <p:extLst>
+                <p:ext uri="{D42A27DB-BD31-4B8C-83A1-F6EECF244321}">
+                  <p14:modId xmlns:p14="http://schemas.microsoft.com/office/powerpoint/2010/main" val="829503366"/>
+                </p:ext>
+              </p:extLst>
+            </p:nvPr>
+          </p:nvGraphicFramePr>
+          <p:xfrm>
+            <a:off x="719345" y="4806894"/>
+            <a:ext cx="8246236" cy="1962049"/>
+          </p:xfrm>
+          <a:graphic>
+            <a:graphicData uri="http://schemas.openxmlformats.org/drawingml/2006/diagram">
+              <dgm:relIds xmlns:dgm="http://schemas.openxmlformats.org/drawingml/2006/diagram" xmlns:r="http://schemas.openxmlformats.org/officeDocument/2006/relationships" r:dm="rId8" r:lo="rId9" r:qs="rId10" r:cs="rId11"/>
+            </a:graphicData>
+          </a:graphic>
+        </p:graphicFrame>
         <p:pic>
           <p:nvPicPr>
             <p:cNvPr id="11" name="Grafik 10">
@@ -18364,48 +18348,20 @@
             <p:nvPr/>
           </p:nvPicPr>
           <p:blipFill rotWithShape="1">
-            <a:blip r:embed="rId8"/>
+            <a:blip r:embed="rId13"/>
             <a:srcRect b="35601"/>
             <a:stretch/>
           </p:blipFill>
           <p:spPr>
             <a:xfrm>
-              <a:off x="3006931" y="4920550"/>
-              <a:ext cx="5138673" cy="1734737"/>
+              <a:off x="3073839" y="5205849"/>
+              <a:ext cx="4645746" cy="1379820"/>
             </a:xfrm>
             <a:prstGeom prst="rect">
               <a:avLst/>
             </a:prstGeom>
           </p:spPr>
         </p:pic>
-        <p:graphicFrame>
-          <p:nvGraphicFramePr>
-            <p:cNvPr id="24" name="Diagramm 23">
-              <a:extLst>
-                <a:ext uri="{FF2B5EF4-FFF2-40B4-BE49-F238E27FC236}">
-                  <a16:creationId xmlns:a16="http://schemas.microsoft.com/office/drawing/2014/main" id="{4A62135B-1AB1-5CEB-4AF3-A1810B66DD30}"/>
-                </a:ext>
-              </a:extLst>
-            </p:cNvPr>
-            <p:cNvGraphicFramePr/>
-            <p:nvPr>
-              <p:extLst>
-                <p:ext uri="{D42A27DB-BD31-4B8C-83A1-F6EECF244321}">
-                  <p14:modId xmlns:p14="http://schemas.microsoft.com/office/powerpoint/2010/main" val="4068475978"/>
-                </p:ext>
-              </p:extLst>
-            </p:nvPr>
-          </p:nvGraphicFramePr>
-          <p:xfrm>
-            <a:off x="719345" y="4429898"/>
-            <a:ext cx="8246236" cy="2339045"/>
-          </p:xfrm>
-          <a:graphic>
-            <a:graphicData uri="http://schemas.openxmlformats.org/drawingml/2006/diagram">
-              <dgm:relIds xmlns:dgm="http://schemas.openxmlformats.org/drawingml/2006/diagram" xmlns:r="http://schemas.openxmlformats.org/officeDocument/2006/relationships" r:dm="rId9" r:lo="rId10" r:qs="rId11" r:cs="rId12"/>
-            </a:graphicData>
-          </a:graphic>
-        </p:graphicFrame>
       </p:grpSp>
     </p:spTree>
     <p:extLst>
